--- a/종합설계제안서.pptx
+++ b/종합설계제안서.pptx
@@ -136,10 +136,10 @@
   </p:defaultTextStyle>
   <p:extLst>
     <p:ext uri="{EFAFB233-063F-42B5-8137-9DF3F51BA10A}">
-      <p15:sldGuideLst xmlns:p15="http://schemas.microsoft.com/office/powerpoint/2012/main"/>
+      <p15:sldGuideLst xmlns:p15="http://schemas.microsoft.com/office/powerpoint/2012/main" xmlns=""/>
     </p:ext>
     <p:ext uri="{2D200454-40CA-4A62-9FC3-DE9A4176ACB9}">
-      <p15:notesGuideLst xmlns:p15="http://schemas.microsoft.com/office/powerpoint/2012/main"/>
+      <p15:notesGuideLst xmlns:p15="http://schemas.microsoft.com/office/powerpoint/2012/main" xmlns=""/>
     </p:ext>
   </p:extLst>
 </p:presentation>
@@ -227,7 +227,7 @@
           <a:p>
             <a:fld id="{023F81DC-7D38-48D8-AA7A-095409DBBC59}" type="datetimeFigureOut">
               <a:rPr lang="ko-KR" altLang="en-US" smtClean="0"/>
-              <a:t>2018-11-29</a:t>
+              <a:t>2019-02-24</a:t>
             </a:fld>
             <a:endParaRPr lang="ko-KR" altLang="en-US"/>
           </a:p>
@@ -655,7 +655,7 @@
           <a:p>
             <a:fld id="{96EDBD0F-4232-4DB4-9D48-6328A3412111}" type="datetime1">
               <a:rPr lang="ko-KR" altLang="en-US" smtClean="0"/>
-              <a:t>2018-11-29</a:t>
+              <a:t>2019-02-24</a:t>
             </a:fld>
             <a:endParaRPr lang="ko-KR" altLang="en-US"/>
           </a:p>
@@ -863,7 +863,7 @@
           <a:p>
             <a:fld id="{30CE5984-1B9C-414E-AC69-826E47E7CB33}" type="datetime1">
               <a:rPr lang="ko-KR" altLang="en-US" smtClean="0"/>
-              <a:t>2018-11-29</a:t>
+              <a:t>2019-02-24</a:t>
             </a:fld>
             <a:endParaRPr lang="ko-KR" altLang="en-US"/>
           </a:p>
@@ -1245,7 +1245,7 @@
                 <a:tabLst/>
                 <a:defRPr/>
               </a:pPr>
-              <a:t>2018-11-29</a:t>
+              <a:t>2019-02-24</a:t>
             </a:fld>
             <a:endParaRPr kumimoji="0" lang="ko-KR" altLang="en-US" sz="1800" b="0" i="0" u="none" strike="noStrike" kern="1200" cap="none" spc="0" normalizeH="0" baseline="0" noProof="0">
               <a:ln>
@@ -1662,7 +1662,7 @@
                 <a:tabLst/>
                 <a:defRPr/>
               </a:pPr>
-              <a:t>2018-11-29</a:t>
+              <a:t>2019-02-24</a:t>
             </a:fld>
             <a:endParaRPr kumimoji="0" lang="ko-KR" altLang="en-US" sz="1800" b="0" i="0" u="none" strike="noStrike" kern="1200" cap="none" spc="0" normalizeH="0" baseline="0" noProof="0">
               <a:ln>
@@ -2215,7 +2215,7 @@
                 <a:tabLst/>
                 <a:defRPr/>
               </a:pPr>
-              <a:t>2018-11-29</a:t>
+              <a:t>2019-02-24</a:t>
             </a:fld>
             <a:endParaRPr kumimoji="0" lang="ko-KR" altLang="en-US" sz="1800" b="0" i="0" u="none" strike="noStrike" kern="1200" cap="none" spc="0" normalizeH="0" baseline="0" noProof="0">
               <a:ln>
@@ -2514,7 +2514,7 @@
                 <a:tabLst/>
                 <a:defRPr/>
               </a:pPr>
-              <a:t>2018-11-29</a:t>
+              <a:t>2019-02-24</a:t>
             </a:fld>
             <a:endParaRPr kumimoji="0" lang="ko-KR" altLang="en-US" sz="1800" b="0" i="0" u="none" strike="noStrike" kern="1200" cap="none" spc="0" normalizeH="0" baseline="0" noProof="0">
               <a:ln>
@@ -2783,7 +2783,7 @@
                 <a:tabLst/>
                 <a:defRPr/>
               </a:pPr>
-              <a:t>2018-11-29</a:t>
+              <a:t>2019-02-24</a:t>
             </a:fld>
             <a:endParaRPr kumimoji="0" lang="ko-KR" altLang="en-US" sz="1800" b="0" i="0" u="none" strike="noStrike" kern="1200" cap="none" spc="0" normalizeH="0" baseline="0" noProof="0">
               <a:ln>
@@ -3241,7 +3241,7 @@
                 <a:tabLst/>
                 <a:defRPr/>
               </a:pPr>
-              <a:t>2018-11-29</a:t>
+              <a:t>2019-02-24</a:t>
             </a:fld>
             <a:endParaRPr kumimoji="0" lang="ko-KR" altLang="en-US" sz="1800" b="0" i="0" u="none" strike="noStrike" kern="1200" cap="none" spc="0" normalizeH="0" baseline="0" noProof="0">
               <a:ln>
@@ -3709,7 +3709,7 @@
                 <a:tabLst/>
                 <a:defRPr/>
               </a:pPr>
-              <a:t>2018-11-29</a:t>
+              <a:t>2019-02-24</a:t>
             </a:fld>
             <a:endParaRPr kumimoji="0" lang="ko-KR" altLang="en-US" sz="1800" b="0" i="0" u="none" strike="noStrike" kern="1200" cap="none" spc="0" normalizeH="0" baseline="0" noProof="0">
               <a:ln>
@@ -4067,7 +4067,7 @@
                 <a:tabLst/>
                 <a:defRPr/>
               </a:pPr>
-              <a:t>2018-11-29</a:t>
+              <a:t>2019-02-24</a:t>
             </a:fld>
             <a:endParaRPr kumimoji="0" lang="ko-KR" altLang="en-US" sz="1800" b="0" i="0" u="none" strike="noStrike" kern="1200" cap="none" spc="0" normalizeH="0" baseline="0" noProof="0">
               <a:ln>
@@ -4425,7 +4425,7 @@
                 <a:tabLst/>
                 <a:defRPr/>
               </a:pPr>
-              <a:t>2018-11-29</a:t>
+              <a:t>2019-02-24</a:t>
             </a:fld>
             <a:endParaRPr kumimoji="0" lang="ko-KR" altLang="en-US" sz="1800" b="0" i="0" u="none" strike="noStrike" kern="1200" cap="none" spc="0" normalizeH="0" baseline="0" noProof="0">
               <a:ln>
@@ -4803,7 +4803,7 @@
           <a:p>
             <a:fld id="{146013A2-AAA9-4E7C-A942-D12EE8530DBB}" type="datetime1">
               <a:rPr lang="ko-KR" altLang="en-US" smtClean="0"/>
-              <a:t>2018-11-29</a:t>
+              <a:t>2019-02-24</a:t>
             </a:fld>
             <a:endParaRPr lang="ko-KR" altLang="en-US"/>
           </a:p>
@@ -5070,7 +5070,7 @@
           <a:p>
             <a:fld id="{47E320F1-6F71-43B1-B465-BED8E08B334D}" type="datetime1">
               <a:rPr lang="ko-KR" altLang="en-US" smtClean="0"/>
-              <a:t>2018-11-29</a:t>
+              <a:t>2019-02-24</a:t>
             </a:fld>
             <a:endParaRPr lang="ko-KR" altLang="en-US"/>
           </a:p>
@@ -5473,7 +5473,7 @@
           <a:p>
             <a:fld id="{B0CE61D1-F85E-4E85-92A2-8D28DAA467ED}" type="datetime1">
               <a:rPr lang="ko-KR" altLang="en-US" smtClean="0"/>
-              <a:t>2018-11-29</a:t>
+              <a:t>2019-02-24</a:t>
             </a:fld>
             <a:endParaRPr lang="ko-KR" altLang="en-US"/>
           </a:p>
@@ -5622,7 +5622,7 @@
           <a:p>
             <a:fld id="{E436D18F-3465-4891-B197-0C39709A1789}" type="datetime1">
               <a:rPr lang="ko-KR" altLang="en-US" smtClean="0"/>
-              <a:t>2018-11-29</a:t>
+              <a:t>2019-02-24</a:t>
             </a:fld>
             <a:endParaRPr lang="ko-KR" altLang="en-US"/>
           </a:p>
@@ -5741,7 +5741,7 @@
           <a:p>
             <a:fld id="{94BEC011-2BC7-47F6-A092-0ACDF354BC7E}" type="datetime1">
               <a:rPr lang="ko-KR" altLang="en-US" smtClean="0"/>
-              <a:t>2018-11-29</a:t>
+              <a:t>2019-02-24</a:t>
             </a:fld>
             <a:endParaRPr lang="ko-KR" altLang="en-US"/>
           </a:p>
@@ -6049,7 +6049,7 @@
           <a:p>
             <a:fld id="{FA8C882F-BECA-4D09-98F1-A3AC0062C4A9}" type="datetime1">
               <a:rPr lang="ko-KR" altLang="en-US" smtClean="0"/>
-              <a:t>2018-11-29</a:t>
+              <a:t>2019-02-24</a:t>
             </a:fld>
             <a:endParaRPr lang="ko-KR" altLang="en-US"/>
           </a:p>
@@ -6337,7 +6337,7 @@
           <a:p>
             <a:fld id="{4D5C0C81-7DED-4FC7-8D99-484E925E1ABB}" type="datetime1">
               <a:rPr lang="ko-KR" altLang="en-US" smtClean="0"/>
-              <a:t>2018-11-29</a:t>
+              <a:t>2019-02-24</a:t>
             </a:fld>
             <a:endParaRPr lang="ko-KR" altLang="en-US"/>
           </a:p>
@@ -7892,17 +7892,7 @@
                 <a:latin typeface="KoPub돋움체 Light" panose="02020603020101020101" pitchFamily="18" charset="-127"/>
                 <a:ea typeface="KoPub돋움체 Light" panose="02020603020101020101" pitchFamily="18" charset="-127"/>
               </a:rPr>
-              <a:t>anagement </a:t>
-            </a:r>
-            <a:r>
-              <a:rPr lang="en-US" altLang="ko-KR" dirty="0" smtClean="0">
-                <a:solidFill>
-                  <a:schemeClr val="bg1"/>
-                </a:solidFill>
-                <a:latin typeface="KoPub돋움체 Light" panose="02020603020101020101" pitchFamily="18" charset="-127"/>
-                <a:ea typeface="KoPub돋움체 Light" panose="02020603020101020101" pitchFamily="18" charset="-127"/>
-              </a:rPr>
-              <a:t>System</a:t>
+              <a:t>anagement System</a:t>
             </a:r>
           </a:p>
           <a:p>
@@ -12731,7 +12721,7 @@
                 <a:gridCol w="1230184">
                   <a:extLst>
                     <a:ext uri="{9D8B030D-6E8A-4147-A177-3AD203B41FA5}">
-                      <a16:colId xmlns:a16="http://schemas.microsoft.com/office/drawing/2014/main" val="20000"/>
+                      <a16:colId xmlns:a16="http://schemas.microsoft.com/office/drawing/2014/main" xmlns="" val="20000"/>
                     </a:ext>
                   </a:extLst>
                 </a:gridCol>
@@ -12754,7 +12744,7 @@
                 </a:tc>
                 <a:extLst>
                   <a:ext uri="{0D108BD9-81ED-4DB2-BD59-A6C34878D82A}">
-                    <a16:rowId xmlns:a16="http://schemas.microsoft.com/office/drawing/2014/main" val="10000"/>
+                    <a16:rowId xmlns:a16="http://schemas.microsoft.com/office/drawing/2014/main" xmlns="" val="10000"/>
                   </a:ext>
                 </a:extLst>
               </a:tr>
@@ -12775,7 +12765,7 @@
                 </a:tc>
                 <a:extLst>
                   <a:ext uri="{0D108BD9-81ED-4DB2-BD59-A6C34878D82A}">
-                    <a16:rowId xmlns:a16="http://schemas.microsoft.com/office/drawing/2014/main" val="10001"/>
+                    <a16:rowId xmlns:a16="http://schemas.microsoft.com/office/drawing/2014/main" xmlns="" val="10001"/>
                   </a:ext>
                 </a:extLst>
               </a:tr>
@@ -12816,7 +12806,7 @@
                 </a:tc>
                 <a:extLst>
                   <a:ext uri="{0D108BD9-81ED-4DB2-BD59-A6C34878D82A}">
-                    <a16:rowId xmlns:a16="http://schemas.microsoft.com/office/drawing/2014/main" val="10002"/>
+                    <a16:rowId xmlns:a16="http://schemas.microsoft.com/office/drawing/2014/main" xmlns="" val="10002"/>
                   </a:ext>
                 </a:extLst>
               </a:tr>
@@ -12878,7 +12868,7 @@
                 </a:tc>
                 <a:extLst>
                   <a:ext uri="{0D108BD9-81ED-4DB2-BD59-A6C34878D82A}">
-                    <a16:rowId xmlns:a16="http://schemas.microsoft.com/office/drawing/2014/main" val="10003"/>
+                    <a16:rowId xmlns:a16="http://schemas.microsoft.com/office/drawing/2014/main" xmlns="" val="10003"/>
                   </a:ext>
                 </a:extLst>
               </a:tr>
@@ -12915,7 +12905,7 @@
                 </a:tc>
                 <a:extLst>
                   <a:ext uri="{0D108BD9-81ED-4DB2-BD59-A6C34878D82A}">
-                    <a16:rowId xmlns:a16="http://schemas.microsoft.com/office/drawing/2014/main" val="10004"/>
+                    <a16:rowId xmlns:a16="http://schemas.microsoft.com/office/drawing/2014/main" xmlns="" val="10004"/>
                   </a:ext>
                 </a:extLst>
               </a:tr>
@@ -12947,7 +12937,7 @@
                 <a:gridCol w="1420174">
                   <a:extLst>
                     <a:ext uri="{9D8B030D-6E8A-4147-A177-3AD203B41FA5}">
-                      <a16:colId xmlns:a16="http://schemas.microsoft.com/office/drawing/2014/main" val="20000"/>
+                      <a16:colId xmlns:a16="http://schemas.microsoft.com/office/drawing/2014/main" xmlns="" val="20000"/>
                     </a:ext>
                   </a:extLst>
                 </a:gridCol>
@@ -12970,7 +12960,7 @@
                 </a:tc>
                 <a:extLst>
                   <a:ext uri="{0D108BD9-81ED-4DB2-BD59-A6C34878D82A}">
-                    <a16:rowId xmlns:a16="http://schemas.microsoft.com/office/drawing/2014/main" val="10000"/>
+                    <a16:rowId xmlns:a16="http://schemas.microsoft.com/office/drawing/2014/main" xmlns="" val="10000"/>
                   </a:ext>
                 </a:extLst>
               </a:tr>
@@ -12992,7 +12982,7 @@
                 </a:tc>
                 <a:extLst>
                   <a:ext uri="{0D108BD9-81ED-4DB2-BD59-A6C34878D82A}">
-                    <a16:rowId xmlns:a16="http://schemas.microsoft.com/office/drawing/2014/main" val="10001"/>
+                    <a16:rowId xmlns:a16="http://schemas.microsoft.com/office/drawing/2014/main" xmlns="" val="10001"/>
                   </a:ext>
                 </a:extLst>
               </a:tr>
@@ -13018,7 +13008,7 @@
                 </a:tc>
                 <a:extLst>
                   <a:ext uri="{0D108BD9-81ED-4DB2-BD59-A6C34878D82A}">
-                    <a16:rowId xmlns:a16="http://schemas.microsoft.com/office/drawing/2014/main" val="10002"/>
+                    <a16:rowId xmlns:a16="http://schemas.microsoft.com/office/drawing/2014/main" xmlns="" val="10002"/>
                   </a:ext>
                 </a:extLst>
               </a:tr>
@@ -13040,7 +13030,7 @@
                 </a:tc>
                 <a:extLst>
                   <a:ext uri="{0D108BD9-81ED-4DB2-BD59-A6C34878D82A}">
-                    <a16:rowId xmlns:a16="http://schemas.microsoft.com/office/drawing/2014/main" val="10003"/>
+                    <a16:rowId xmlns:a16="http://schemas.microsoft.com/office/drawing/2014/main" xmlns="" val="10003"/>
                   </a:ext>
                 </a:extLst>
               </a:tr>
@@ -13077,7 +13067,7 @@
                 </a:tc>
                 <a:extLst>
                   <a:ext uri="{0D108BD9-81ED-4DB2-BD59-A6C34878D82A}">
-                    <a16:rowId xmlns:a16="http://schemas.microsoft.com/office/drawing/2014/main" val="10004"/>
+                    <a16:rowId xmlns:a16="http://schemas.microsoft.com/office/drawing/2014/main" xmlns="" val="10004"/>
                   </a:ext>
                 </a:extLst>
               </a:tr>
@@ -13107,7 +13097,7 @@
                 </a:tc>
                 <a:extLst>
                   <a:ext uri="{0D108BD9-81ED-4DB2-BD59-A6C34878D82A}">
-                    <a16:rowId xmlns:a16="http://schemas.microsoft.com/office/drawing/2014/main" val="10005"/>
+                    <a16:rowId xmlns:a16="http://schemas.microsoft.com/office/drawing/2014/main" xmlns="" val="10005"/>
                   </a:ext>
                 </a:extLst>
               </a:tr>
@@ -13169,7 +13159,7 @@
                 </a:tc>
                 <a:extLst>
                   <a:ext uri="{0D108BD9-81ED-4DB2-BD59-A6C34878D82A}">
-                    <a16:rowId xmlns:a16="http://schemas.microsoft.com/office/drawing/2014/main" val="10006"/>
+                    <a16:rowId xmlns:a16="http://schemas.microsoft.com/office/drawing/2014/main" xmlns="" val="10006"/>
                   </a:ext>
                 </a:extLst>
               </a:tr>
@@ -13283,7 +13273,7 @@
                 <a:gridCol w="1230184">
                   <a:extLst>
                     <a:ext uri="{9D8B030D-6E8A-4147-A177-3AD203B41FA5}">
-                      <a16:colId xmlns:a16="http://schemas.microsoft.com/office/drawing/2014/main" val="20000"/>
+                      <a16:colId xmlns:a16="http://schemas.microsoft.com/office/drawing/2014/main" xmlns="" val="20000"/>
                     </a:ext>
                   </a:extLst>
                 </a:gridCol>
@@ -13306,7 +13296,7 @@
                 </a:tc>
                 <a:extLst>
                   <a:ext uri="{0D108BD9-81ED-4DB2-BD59-A6C34878D82A}">
-                    <a16:rowId xmlns:a16="http://schemas.microsoft.com/office/drawing/2014/main" val="10000"/>
+                    <a16:rowId xmlns:a16="http://schemas.microsoft.com/office/drawing/2014/main" xmlns="" val="10000"/>
                   </a:ext>
                 </a:extLst>
               </a:tr>
@@ -13328,7 +13318,7 @@
                 </a:tc>
                 <a:extLst>
                   <a:ext uri="{0D108BD9-81ED-4DB2-BD59-A6C34878D82A}">
-                    <a16:rowId xmlns:a16="http://schemas.microsoft.com/office/drawing/2014/main" val="10001"/>
+                    <a16:rowId xmlns:a16="http://schemas.microsoft.com/office/drawing/2014/main" xmlns="" val="10001"/>
                   </a:ext>
                 </a:extLst>
               </a:tr>
@@ -13350,7 +13340,7 @@
                 </a:tc>
                 <a:extLst>
                   <a:ext uri="{0D108BD9-81ED-4DB2-BD59-A6C34878D82A}">
-                    <a16:rowId xmlns:a16="http://schemas.microsoft.com/office/drawing/2014/main" val="10002"/>
+                    <a16:rowId xmlns:a16="http://schemas.microsoft.com/office/drawing/2014/main" xmlns="" val="10002"/>
                   </a:ext>
                 </a:extLst>
               </a:tr>
@@ -13372,7 +13362,7 @@
                 </a:tc>
                 <a:extLst>
                   <a:ext uri="{0D108BD9-81ED-4DB2-BD59-A6C34878D82A}">
-                    <a16:rowId xmlns:a16="http://schemas.microsoft.com/office/drawing/2014/main" val="10003"/>
+                    <a16:rowId xmlns:a16="http://schemas.microsoft.com/office/drawing/2014/main" xmlns="" val="10003"/>
                   </a:ext>
                 </a:extLst>
               </a:tr>
@@ -13405,7 +13395,7 @@
                 </a:tc>
                 <a:extLst>
                   <a:ext uri="{0D108BD9-81ED-4DB2-BD59-A6C34878D82A}">
-                    <a16:rowId xmlns:a16="http://schemas.microsoft.com/office/drawing/2014/main" val="10004"/>
+                    <a16:rowId xmlns:a16="http://schemas.microsoft.com/office/drawing/2014/main" xmlns="" val="10004"/>
                   </a:ext>
                 </a:extLst>
               </a:tr>
@@ -13437,7 +13427,7 @@
                 <a:gridCol w="1420174">
                   <a:extLst>
                     <a:ext uri="{9D8B030D-6E8A-4147-A177-3AD203B41FA5}">
-                      <a16:colId xmlns:a16="http://schemas.microsoft.com/office/drawing/2014/main" val="20000"/>
+                      <a16:colId xmlns:a16="http://schemas.microsoft.com/office/drawing/2014/main" xmlns="" val="20000"/>
                     </a:ext>
                   </a:extLst>
                 </a:gridCol>
@@ -13460,7 +13450,7 @@
                 </a:tc>
                 <a:extLst>
                   <a:ext uri="{0D108BD9-81ED-4DB2-BD59-A6C34878D82A}">
-                    <a16:rowId xmlns:a16="http://schemas.microsoft.com/office/drawing/2014/main" val="10000"/>
+                    <a16:rowId xmlns:a16="http://schemas.microsoft.com/office/drawing/2014/main" xmlns="" val="10000"/>
                   </a:ext>
                 </a:extLst>
               </a:tr>
@@ -13486,7 +13476,7 @@
                 </a:tc>
                 <a:extLst>
                   <a:ext uri="{0D108BD9-81ED-4DB2-BD59-A6C34878D82A}">
-                    <a16:rowId xmlns:a16="http://schemas.microsoft.com/office/drawing/2014/main" val="10001"/>
+                    <a16:rowId xmlns:a16="http://schemas.microsoft.com/office/drawing/2014/main" xmlns="" val="10001"/>
                   </a:ext>
                 </a:extLst>
               </a:tr>
@@ -13508,7 +13498,7 @@
                 </a:tc>
                 <a:extLst>
                   <a:ext uri="{0D108BD9-81ED-4DB2-BD59-A6C34878D82A}">
-                    <a16:rowId xmlns:a16="http://schemas.microsoft.com/office/drawing/2014/main" val="10002"/>
+                    <a16:rowId xmlns:a16="http://schemas.microsoft.com/office/drawing/2014/main" xmlns="" val="10002"/>
                   </a:ext>
                 </a:extLst>
               </a:tr>
@@ -13530,7 +13520,7 @@
                 </a:tc>
                 <a:extLst>
                   <a:ext uri="{0D108BD9-81ED-4DB2-BD59-A6C34878D82A}">
-                    <a16:rowId xmlns:a16="http://schemas.microsoft.com/office/drawing/2014/main" val="10003"/>
+                    <a16:rowId xmlns:a16="http://schemas.microsoft.com/office/drawing/2014/main" xmlns="" val="10003"/>
                   </a:ext>
                 </a:extLst>
               </a:tr>
@@ -13562,7 +13552,7 @@
                 <a:gridCol w="1420174">
                   <a:extLst>
                     <a:ext uri="{9D8B030D-6E8A-4147-A177-3AD203B41FA5}">
-                      <a16:colId xmlns:a16="http://schemas.microsoft.com/office/drawing/2014/main" val="20000"/>
+                      <a16:colId xmlns:a16="http://schemas.microsoft.com/office/drawing/2014/main" xmlns="" val="20000"/>
                     </a:ext>
                   </a:extLst>
                 </a:gridCol>
@@ -13585,7 +13575,7 @@
                 </a:tc>
                 <a:extLst>
                   <a:ext uri="{0D108BD9-81ED-4DB2-BD59-A6C34878D82A}">
-                    <a16:rowId xmlns:a16="http://schemas.microsoft.com/office/drawing/2014/main" val="10000"/>
+                    <a16:rowId xmlns:a16="http://schemas.microsoft.com/office/drawing/2014/main" xmlns="" val="10000"/>
                   </a:ext>
                 </a:extLst>
               </a:tr>
@@ -13611,7 +13601,7 @@
                 </a:tc>
                 <a:extLst>
                   <a:ext uri="{0D108BD9-81ED-4DB2-BD59-A6C34878D82A}">
-                    <a16:rowId xmlns:a16="http://schemas.microsoft.com/office/drawing/2014/main" val="10001"/>
+                    <a16:rowId xmlns:a16="http://schemas.microsoft.com/office/drawing/2014/main" xmlns="" val="10001"/>
                   </a:ext>
                 </a:extLst>
               </a:tr>
@@ -13633,7 +13623,7 @@
                 </a:tc>
                 <a:extLst>
                   <a:ext uri="{0D108BD9-81ED-4DB2-BD59-A6C34878D82A}">
-                    <a16:rowId xmlns:a16="http://schemas.microsoft.com/office/drawing/2014/main" val="10002"/>
+                    <a16:rowId xmlns:a16="http://schemas.microsoft.com/office/drawing/2014/main" xmlns="" val="10002"/>
                   </a:ext>
                 </a:extLst>
               </a:tr>
@@ -14744,7 +14734,7 @@
           <p:cNvPr id="29" name="모서리가 둥근 직사각형 1">
             <a:extLst>
               <a:ext uri="{FF2B5EF4-FFF2-40B4-BE49-F238E27FC236}">
-                <a16:creationId xmlns:a16="http://schemas.microsoft.com/office/drawing/2014/main" id="{EE65A715-D9EF-40AD-8764-5C1C81ED11FD}"/>
+                <a16:creationId xmlns:a16="http://schemas.microsoft.com/office/drawing/2014/main" xmlns="" id="{EE65A715-D9EF-40AD-8764-5C1C81ED11FD}"/>
               </a:ext>
             </a:extLst>
           </p:cNvPr>
@@ -14830,7 +14820,7 @@
           <p:cNvPr id="3" name="그림 2">
             <a:extLst>
               <a:ext uri="{FF2B5EF4-FFF2-40B4-BE49-F238E27FC236}">
-                <a16:creationId xmlns:a16="http://schemas.microsoft.com/office/drawing/2014/main" id="{323C0F5B-E137-4DF4-9C0F-86BAF1FEB105}"/>
+                <a16:creationId xmlns:a16="http://schemas.microsoft.com/office/drawing/2014/main" xmlns="" id="{323C0F5B-E137-4DF4-9C0F-86BAF1FEB105}"/>
               </a:ext>
             </a:extLst>
           </p:cNvPr>
@@ -14866,7 +14856,7 @@
           <p:cNvPr id="4" name="TextBox 3">
             <a:extLst>
               <a:ext uri="{FF2B5EF4-FFF2-40B4-BE49-F238E27FC236}">
-                <a16:creationId xmlns:a16="http://schemas.microsoft.com/office/drawing/2014/main" id="{6F54C1E4-F72C-4408-A7F1-F5D0AB2C6E75}"/>
+                <a16:creationId xmlns:a16="http://schemas.microsoft.com/office/drawing/2014/main" xmlns="" id="{6F54C1E4-F72C-4408-A7F1-F5D0AB2C6E75}"/>
               </a:ext>
             </a:extLst>
           </p:cNvPr>
@@ -15368,7 +15358,7 @@
           <p:cNvPr id="8" name="그림 7">
             <a:extLst>
               <a:ext uri="{FF2B5EF4-FFF2-40B4-BE49-F238E27FC236}">
-                <a16:creationId xmlns:a16="http://schemas.microsoft.com/office/drawing/2014/main" id="{59CB732C-96D6-4142-9B7A-E4B5577FC197}"/>
+                <a16:creationId xmlns:a16="http://schemas.microsoft.com/office/drawing/2014/main" xmlns="" id="{59CB732C-96D6-4142-9B7A-E4B5577FC197}"/>
               </a:ext>
             </a:extLst>
           </p:cNvPr>
@@ -15404,7 +15394,7 @@
           <p:cNvPr id="30" name="TextBox 29">
             <a:extLst>
               <a:ext uri="{FF2B5EF4-FFF2-40B4-BE49-F238E27FC236}">
-                <a16:creationId xmlns:a16="http://schemas.microsoft.com/office/drawing/2014/main" id="{FF55FBF8-2DF5-4792-BA19-94CFB7FCE415}"/>
+                <a16:creationId xmlns:a16="http://schemas.microsoft.com/office/drawing/2014/main" xmlns="" id="{FF55FBF8-2DF5-4792-BA19-94CFB7FCE415}"/>
               </a:ext>
             </a:extLst>
           </p:cNvPr>
@@ -15755,7 +15745,7 @@
           <p:cNvPr id="9" name="TextBox 8">
             <a:extLst>
               <a:ext uri="{FF2B5EF4-FFF2-40B4-BE49-F238E27FC236}">
-                <a16:creationId xmlns:a16="http://schemas.microsoft.com/office/drawing/2014/main" id="{DF3C11AE-29C8-4ACA-B707-228F3C2B2ECD}"/>
+                <a16:creationId xmlns:a16="http://schemas.microsoft.com/office/drawing/2014/main" xmlns="" id="{DF3C11AE-29C8-4ACA-B707-228F3C2B2ECD}"/>
               </a:ext>
             </a:extLst>
           </p:cNvPr>
@@ -15868,7 +15858,7 @@
           <p:cNvPr id="31" name="TextBox 30">
             <a:extLst>
               <a:ext uri="{FF2B5EF4-FFF2-40B4-BE49-F238E27FC236}">
-                <a16:creationId xmlns:a16="http://schemas.microsoft.com/office/drawing/2014/main" id="{D4078F7C-E030-441F-92F3-10ADDB72CF9C}"/>
+                <a16:creationId xmlns:a16="http://schemas.microsoft.com/office/drawing/2014/main" xmlns="" id="{D4078F7C-E030-441F-92F3-10ADDB72CF9C}"/>
               </a:ext>
             </a:extLst>
           </p:cNvPr>
@@ -16413,7 +16403,7 @@
           <p:cNvPr id="4" name="TextBox 3">
             <a:extLst>
               <a:ext uri="{FF2B5EF4-FFF2-40B4-BE49-F238E27FC236}">
-                <a16:creationId xmlns:a16="http://schemas.microsoft.com/office/drawing/2014/main" id="{6F54C1E4-F72C-4408-A7F1-F5D0AB2C6E75}"/>
+                <a16:creationId xmlns:a16="http://schemas.microsoft.com/office/drawing/2014/main" xmlns="" id="{6F54C1E4-F72C-4408-A7F1-F5D0AB2C6E75}"/>
               </a:ext>
             </a:extLst>
           </p:cNvPr>
@@ -16832,7 +16822,7 @@
           <p:cNvPr id="9" name="TextBox 8">
             <a:extLst>
               <a:ext uri="{FF2B5EF4-FFF2-40B4-BE49-F238E27FC236}">
-                <a16:creationId xmlns:a16="http://schemas.microsoft.com/office/drawing/2014/main" id="{DF3C11AE-29C8-4ACA-B707-228F3C2B2ECD}"/>
+                <a16:creationId xmlns:a16="http://schemas.microsoft.com/office/drawing/2014/main" xmlns="" id="{DF3C11AE-29C8-4ACA-B707-228F3C2B2ECD}"/>
               </a:ext>
             </a:extLst>
           </p:cNvPr>
@@ -16911,7 +16901,7 @@
           <p:cNvPr id="6" name="그림 5">
             <a:extLst>
               <a:ext uri="{FF2B5EF4-FFF2-40B4-BE49-F238E27FC236}">
-                <a16:creationId xmlns:a16="http://schemas.microsoft.com/office/drawing/2014/main" id="{2C603C23-7202-45DB-AF70-958ED84E628F}"/>
+                <a16:creationId xmlns:a16="http://schemas.microsoft.com/office/drawing/2014/main" xmlns="" id="{2C603C23-7202-45DB-AF70-958ED84E628F}"/>
               </a:ext>
             </a:extLst>
           </p:cNvPr>
@@ -16947,7 +16937,7 @@
           <p:cNvPr id="15" name="모서리가 둥근 직사각형 1">
             <a:extLst>
               <a:ext uri="{FF2B5EF4-FFF2-40B4-BE49-F238E27FC236}">
-                <a16:creationId xmlns:a16="http://schemas.microsoft.com/office/drawing/2014/main" id="{5F1EF5D5-B4A9-4F6D-B9F9-BCC8B4FF35DD}"/>
+                <a16:creationId xmlns:a16="http://schemas.microsoft.com/office/drawing/2014/main" xmlns="" id="{5F1EF5D5-B4A9-4F6D-B9F9-BCC8B4FF35DD}"/>
               </a:ext>
             </a:extLst>
           </p:cNvPr>
@@ -17033,7 +17023,7 @@
           <p:cNvPr id="10" name="그림 9">
             <a:extLst>
               <a:ext uri="{FF2B5EF4-FFF2-40B4-BE49-F238E27FC236}">
-                <a16:creationId xmlns:a16="http://schemas.microsoft.com/office/drawing/2014/main" id="{C872385E-9D32-4C26-89CE-98D2FA2C979C}"/>
+                <a16:creationId xmlns:a16="http://schemas.microsoft.com/office/drawing/2014/main" xmlns="" id="{C872385E-9D32-4C26-89CE-98D2FA2C979C}"/>
               </a:ext>
             </a:extLst>
           </p:cNvPr>
@@ -17069,7 +17059,7 @@
           <p:cNvPr id="18" name="TextBox 17">
             <a:extLst>
               <a:ext uri="{FF2B5EF4-FFF2-40B4-BE49-F238E27FC236}">
-                <a16:creationId xmlns:a16="http://schemas.microsoft.com/office/drawing/2014/main" id="{DD291B0D-0A0B-48D8-9E8A-8501667D9178}"/>
+                <a16:creationId xmlns:a16="http://schemas.microsoft.com/office/drawing/2014/main" xmlns="" id="{DD291B0D-0A0B-48D8-9E8A-8501667D9178}"/>
               </a:ext>
             </a:extLst>
           </p:cNvPr>
@@ -17148,7 +17138,7 @@
           <p:cNvPr id="19" name="TextBox 18">
             <a:extLst>
               <a:ext uri="{FF2B5EF4-FFF2-40B4-BE49-F238E27FC236}">
-                <a16:creationId xmlns:a16="http://schemas.microsoft.com/office/drawing/2014/main" id="{43348394-2D48-465D-A75D-90387BECA9E5}"/>
+                <a16:creationId xmlns:a16="http://schemas.microsoft.com/office/drawing/2014/main" xmlns="" id="{43348394-2D48-465D-A75D-90387BECA9E5}"/>
               </a:ext>
             </a:extLst>
           </p:cNvPr>
@@ -18013,7 +18003,7 @@
           <p:cNvPr id="15" name="모서리가 둥근 직사각형 1">
             <a:extLst>
               <a:ext uri="{FF2B5EF4-FFF2-40B4-BE49-F238E27FC236}">
-                <a16:creationId xmlns:a16="http://schemas.microsoft.com/office/drawing/2014/main" id="{5F1EF5D5-B4A9-4F6D-B9F9-BCC8B4FF35DD}"/>
+                <a16:creationId xmlns:a16="http://schemas.microsoft.com/office/drawing/2014/main" xmlns="" id="{5F1EF5D5-B4A9-4F6D-B9F9-BCC8B4FF35DD}"/>
               </a:ext>
             </a:extLst>
           </p:cNvPr>
@@ -18099,7 +18089,7 @@
           <p:cNvPr id="13" name="TextBox 12">
             <a:extLst>
               <a:ext uri="{FF2B5EF4-FFF2-40B4-BE49-F238E27FC236}">
-                <a16:creationId xmlns:a16="http://schemas.microsoft.com/office/drawing/2014/main" id="{55A78FA9-DD92-4BAE-A437-D6261A6D723C}"/>
+                <a16:creationId xmlns:a16="http://schemas.microsoft.com/office/drawing/2014/main" xmlns="" id="{55A78FA9-DD92-4BAE-A437-D6261A6D723C}"/>
               </a:ext>
             </a:extLst>
           </p:cNvPr>
@@ -18587,7 +18577,7 @@
           <p:cNvPr id="14" name="TextBox 13">
             <a:extLst>
               <a:ext uri="{FF2B5EF4-FFF2-40B4-BE49-F238E27FC236}">
-                <a16:creationId xmlns:a16="http://schemas.microsoft.com/office/drawing/2014/main" id="{1E20C22B-D7AF-4968-A88E-44710629484F}"/>
+                <a16:creationId xmlns:a16="http://schemas.microsoft.com/office/drawing/2014/main" xmlns="" id="{1E20C22B-D7AF-4968-A88E-44710629484F}"/>
               </a:ext>
             </a:extLst>
           </p:cNvPr>
@@ -18700,7 +18690,7 @@
           <p:cNvPr id="16" name="그림 15">
             <a:extLst>
               <a:ext uri="{FF2B5EF4-FFF2-40B4-BE49-F238E27FC236}">
-                <a16:creationId xmlns:a16="http://schemas.microsoft.com/office/drawing/2014/main" id="{37807BEF-7615-4DE5-BC68-D02C1F13CC32}"/>
+                <a16:creationId xmlns:a16="http://schemas.microsoft.com/office/drawing/2014/main" xmlns="" id="{37807BEF-7615-4DE5-BC68-D02C1F13CC32}"/>
               </a:ext>
             </a:extLst>
           </p:cNvPr>
@@ -18736,7 +18726,7 @@
           <p:cNvPr id="17" name="그림 16">
             <a:extLst>
               <a:ext uri="{FF2B5EF4-FFF2-40B4-BE49-F238E27FC236}">
-                <a16:creationId xmlns:a16="http://schemas.microsoft.com/office/drawing/2014/main" id="{A26AEB2F-B4CF-4768-A694-CAAA6C1645C6}"/>
+                <a16:creationId xmlns:a16="http://schemas.microsoft.com/office/drawing/2014/main" xmlns="" id="{A26AEB2F-B4CF-4768-A694-CAAA6C1645C6}"/>
               </a:ext>
             </a:extLst>
           </p:cNvPr>
@@ -18772,7 +18762,7 @@
           <p:cNvPr id="20" name="TextBox 19">
             <a:extLst>
               <a:ext uri="{FF2B5EF4-FFF2-40B4-BE49-F238E27FC236}">
-                <a16:creationId xmlns:a16="http://schemas.microsoft.com/office/drawing/2014/main" id="{2A503FFD-24CC-430E-B776-213D46AB81FC}"/>
+                <a16:creationId xmlns:a16="http://schemas.microsoft.com/office/drawing/2014/main" xmlns="" id="{2A503FFD-24CC-430E-B776-213D46AB81FC}"/>
               </a:ext>
             </a:extLst>
           </p:cNvPr>
@@ -18851,7 +18841,7 @@
           <p:cNvPr id="21" name="TextBox 20">
             <a:extLst>
               <a:ext uri="{FF2B5EF4-FFF2-40B4-BE49-F238E27FC236}">
-                <a16:creationId xmlns:a16="http://schemas.microsoft.com/office/drawing/2014/main" id="{7BAEA75E-3C80-46E4-AFF1-50E11AD08AA2}"/>
+                <a16:creationId xmlns:a16="http://schemas.microsoft.com/office/drawing/2014/main" xmlns="" id="{7BAEA75E-3C80-46E4-AFF1-50E11AD08AA2}"/>
               </a:ext>
             </a:extLst>
           </p:cNvPr>
@@ -19568,7 +19558,7 @@
           <p:cNvPr id="15" name="모서리가 둥근 직사각형 1">
             <a:extLst>
               <a:ext uri="{FF2B5EF4-FFF2-40B4-BE49-F238E27FC236}">
-                <a16:creationId xmlns:a16="http://schemas.microsoft.com/office/drawing/2014/main" id="{5F1EF5D5-B4A9-4F6D-B9F9-BCC8B4FF35DD}"/>
+                <a16:creationId xmlns:a16="http://schemas.microsoft.com/office/drawing/2014/main" xmlns="" id="{5F1EF5D5-B4A9-4F6D-B9F9-BCC8B4FF35DD}"/>
               </a:ext>
             </a:extLst>
           </p:cNvPr>
@@ -19654,7 +19644,7 @@
           <p:cNvPr id="18" name="TextBox 17">
             <a:extLst>
               <a:ext uri="{FF2B5EF4-FFF2-40B4-BE49-F238E27FC236}">
-                <a16:creationId xmlns:a16="http://schemas.microsoft.com/office/drawing/2014/main" id="{30653F2B-E330-4EA0-9997-C34CD396BE4A}"/>
+                <a16:creationId xmlns:a16="http://schemas.microsoft.com/office/drawing/2014/main" xmlns="" id="{30653F2B-E330-4EA0-9997-C34CD396BE4A}"/>
               </a:ext>
             </a:extLst>
           </p:cNvPr>
@@ -20414,7 +20404,7 @@
           <p:cNvPr id="19" name="TextBox 18">
             <a:extLst>
               <a:ext uri="{FF2B5EF4-FFF2-40B4-BE49-F238E27FC236}">
-                <a16:creationId xmlns:a16="http://schemas.microsoft.com/office/drawing/2014/main" id="{D1904643-6810-41A0-8315-1043C62AF12D}"/>
+                <a16:creationId xmlns:a16="http://schemas.microsoft.com/office/drawing/2014/main" xmlns="" id="{D1904643-6810-41A0-8315-1043C62AF12D}"/>
               </a:ext>
             </a:extLst>
           </p:cNvPr>
@@ -20506,7 +20496,7 @@
           <p:cNvPr id="22" name="그림 21">
             <a:extLst>
               <a:ext uri="{FF2B5EF4-FFF2-40B4-BE49-F238E27FC236}">
-                <a16:creationId xmlns:a16="http://schemas.microsoft.com/office/drawing/2014/main" id="{F7BF318E-AAA7-4498-940D-E1FD455349E8}"/>
+                <a16:creationId xmlns:a16="http://schemas.microsoft.com/office/drawing/2014/main" xmlns="" id="{F7BF318E-AAA7-4498-940D-E1FD455349E8}"/>
               </a:ext>
             </a:extLst>
           </p:cNvPr>
@@ -20644,7 +20634,7 @@
           <p:cNvPr id="16" name="TextBox 15">
             <a:extLst>
               <a:ext uri="{FF2B5EF4-FFF2-40B4-BE49-F238E27FC236}">
-                <a16:creationId xmlns:a16="http://schemas.microsoft.com/office/drawing/2014/main" id="{6B3D4F0B-A5D8-4302-89BF-8D50B3B315F8}"/>
+                <a16:creationId xmlns:a16="http://schemas.microsoft.com/office/drawing/2014/main" xmlns="" id="{6B3D4F0B-A5D8-4302-89BF-8D50B3B315F8}"/>
               </a:ext>
             </a:extLst>
           </p:cNvPr>
@@ -20740,7 +20730,7 @@
           <p:cNvPr id="17" name="TextBox 16">
             <a:extLst>
               <a:ext uri="{FF2B5EF4-FFF2-40B4-BE49-F238E27FC236}">
-                <a16:creationId xmlns:a16="http://schemas.microsoft.com/office/drawing/2014/main" id="{0ECAC8AD-AB20-45BC-B4A5-09F1A1345A74}"/>
+                <a16:creationId xmlns:a16="http://schemas.microsoft.com/office/drawing/2014/main" xmlns="" id="{0ECAC8AD-AB20-45BC-B4A5-09F1A1345A74}"/>
               </a:ext>
             </a:extLst>
           </p:cNvPr>
@@ -21333,7 +21323,7 @@
           <p:cNvPr id="15" name="모서리가 둥근 직사각형 1">
             <a:extLst>
               <a:ext uri="{FF2B5EF4-FFF2-40B4-BE49-F238E27FC236}">
-                <a16:creationId xmlns:a16="http://schemas.microsoft.com/office/drawing/2014/main" id="{5F1EF5D5-B4A9-4F6D-B9F9-BCC8B4FF35DD}"/>
+                <a16:creationId xmlns:a16="http://schemas.microsoft.com/office/drawing/2014/main" xmlns="" id="{5F1EF5D5-B4A9-4F6D-B9F9-BCC8B4FF35DD}"/>
               </a:ext>
             </a:extLst>
           </p:cNvPr>
@@ -21492,7 +21482,7 @@
           <p:cNvPr id="18" name="TextBox 17">
             <a:extLst>
               <a:ext uri="{FF2B5EF4-FFF2-40B4-BE49-F238E27FC236}">
-                <a16:creationId xmlns:a16="http://schemas.microsoft.com/office/drawing/2014/main" id="{6B3D4F0B-A5D8-4302-89BF-8D50B3B315F8}"/>
+                <a16:creationId xmlns:a16="http://schemas.microsoft.com/office/drawing/2014/main" xmlns="" id="{6B3D4F0B-A5D8-4302-89BF-8D50B3B315F8}"/>
               </a:ext>
             </a:extLst>
           </p:cNvPr>
@@ -21605,7 +21595,7 @@
           <p:cNvPr id="19" name="TextBox 18">
             <a:extLst>
               <a:ext uri="{FF2B5EF4-FFF2-40B4-BE49-F238E27FC236}">
-                <a16:creationId xmlns:a16="http://schemas.microsoft.com/office/drawing/2014/main" id="{0ECAC8AD-AB20-45BC-B4A5-09F1A1345A74}"/>
+                <a16:creationId xmlns:a16="http://schemas.microsoft.com/office/drawing/2014/main" xmlns="" id="{0ECAC8AD-AB20-45BC-B4A5-09F1A1345A74}"/>
               </a:ext>
             </a:extLst>
           </p:cNvPr>
@@ -22026,7 +22016,7 @@
           <p:cNvPr id="20" name="그림 19">
             <a:extLst>
               <a:ext uri="{FF2B5EF4-FFF2-40B4-BE49-F238E27FC236}">
-                <a16:creationId xmlns:a16="http://schemas.microsoft.com/office/drawing/2014/main" id="{0E86F18E-725A-4E08-B32F-B19ECDDAFB14}"/>
+                <a16:creationId xmlns:a16="http://schemas.microsoft.com/office/drawing/2014/main" xmlns="" id="{0E86F18E-725A-4E08-B32F-B19ECDDAFB14}"/>
               </a:ext>
             </a:extLst>
           </p:cNvPr>
@@ -22062,7 +22052,7 @@
           <p:cNvPr id="14" name="TextBox 13">
             <a:extLst>
               <a:ext uri="{FF2B5EF4-FFF2-40B4-BE49-F238E27FC236}">
-                <a16:creationId xmlns:a16="http://schemas.microsoft.com/office/drawing/2014/main" id="{6B3D4F0B-A5D8-4302-89BF-8D50B3B315F8}"/>
+                <a16:creationId xmlns:a16="http://schemas.microsoft.com/office/drawing/2014/main" xmlns="" id="{6B3D4F0B-A5D8-4302-89BF-8D50B3B315F8}"/>
               </a:ext>
             </a:extLst>
           </p:cNvPr>
@@ -22151,7 +22141,7 @@
           <p:cNvPr id="16" name="TextBox 15">
             <a:extLst>
               <a:ext uri="{FF2B5EF4-FFF2-40B4-BE49-F238E27FC236}">
-                <a16:creationId xmlns:a16="http://schemas.microsoft.com/office/drawing/2014/main" id="{0ECAC8AD-AB20-45BC-B4A5-09F1A1345A74}"/>
+                <a16:creationId xmlns:a16="http://schemas.microsoft.com/office/drawing/2014/main" xmlns="" id="{0ECAC8AD-AB20-45BC-B4A5-09F1A1345A74}"/>
               </a:ext>
             </a:extLst>
           </p:cNvPr>
@@ -22384,7 +22374,7 @@
           <p:cNvPr id="17" name="그림 16">
             <a:extLst>
               <a:ext uri="{FF2B5EF4-FFF2-40B4-BE49-F238E27FC236}">
-                <a16:creationId xmlns:a16="http://schemas.microsoft.com/office/drawing/2014/main" id="{4F8831E8-78D7-4590-9B00-F6605C325E78}"/>
+                <a16:creationId xmlns:a16="http://schemas.microsoft.com/office/drawing/2014/main" xmlns="" id="{4F8831E8-78D7-4590-9B00-F6605C325E78}"/>
               </a:ext>
             </a:extLst>
           </p:cNvPr>
@@ -22848,7 +22838,7 @@
           <p:cNvPr id="15" name="모서리가 둥근 직사각형 1">
             <a:extLst>
               <a:ext uri="{FF2B5EF4-FFF2-40B4-BE49-F238E27FC236}">
-                <a16:creationId xmlns:a16="http://schemas.microsoft.com/office/drawing/2014/main" id="{5F1EF5D5-B4A9-4F6D-B9F9-BCC8B4FF35DD}"/>
+                <a16:creationId xmlns:a16="http://schemas.microsoft.com/office/drawing/2014/main" xmlns="" id="{5F1EF5D5-B4A9-4F6D-B9F9-BCC8B4FF35DD}"/>
               </a:ext>
             </a:extLst>
           </p:cNvPr>
@@ -22948,7 +22938,7 @@
           <p:cNvPr id="10" name="그림 9">
             <a:extLst>
               <a:ext uri="{FF2B5EF4-FFF2-40B4-BE49-F238E27FC236}">
-                <a16:creationId xmlns:a16="http://schemas.microsoft.com/office/drawing/2014/main" id="{4024F697-AC04-49C3-98E4-24E829E66F20}"/>
+                <a16:creationId xmlns:a16="http://schemas.microsoft.com/office/drawing/2014/main" xmlns="" id="{4024F697-AC04-49C3-98E4-24E829E66F20}"/>
               </a:ext>
             </a:extLst>
           </p:cNvPr>
@@ -22984,7 +22974,7 @@
           <p:cNvPr id="11" name="TextBox 10">
             <a:extLst>
               <a:ext uri="{FF2B5EF4-FFF2-40B4-BE49-F238E27FC236}">
-                <a16:creationId xmlns:a16="http://schemas.microsoft.com/office/drawing/2014/main" id="{7A438D53-8CE5-436B-AF5B-5067721D779A}"/>
+                <a16:creationId xmlns:a16="http://schemas.microsoft.com/office/drawing/2014/main" xmlns="" id="{7A438D53-8CE5-436B-AF5B-5067721D779A}"/>
               </a:ext>
             </a:extLst>
           </p:cNvPr>
@@ -23049,7 +23039,7 @@
           <p:cNvPr id="12" name="TextBox 11">
             <a:extLst>
               <a:ext uri="{FF2B5EF4-FFF2-40B4-BE49-F238E27FC236}">
-                <a16:creationId xmlns:a16="http://schemas.microsoft.com/office/drawing/2014/main" id="{A787DCD5-B758-422B-9684-7433FD4049E1}"/>
+                <a16:creationId xmlns:a16="http://schemas.microsoft.com/office/drawing/2014/main" xmlns="" id="{A787DCD5-B758-422B-9684-7433FD4049E1}"/>
               </a:ext>
             </a:extLst>
           </p:cNvPr>
@@ -23420,7 +23410,7 @@
           <p:cNvPr id="17" name="그림 16">
             <a:extLst>
               <a:ext uri="{FF2B5EF4-FFF2-40B4-BE49-F238E27FC236}">
-                <a16:creationId xmlns:a16="http://schemas.microsoft.com/office/drawing/2014/main" id="{74321273-BD07-4C78-8AC4-9898F46AC29C}"/>
+                <a16:creationId xmlns:a16="http://schemas.microsoft.com/office/drawing/2014/main" xmlns="" id="{74321273-BD07-4C78-8AC4-9898F46AC29C}"/>
               </a:ext>
             </a:extLst>
           </p:cNvPr>
@@ -23456,7 +23446,7 @@
           <p:cNvPr id="18" name="TextBox 17">
             <a:extLst>
               <a:ext uri="{FF2B5EF4-FFF2-40B4-BE49-F238E27FC236}">
-                <a16:creationId xmlns:a16="http://schemas.microsoft.com/office/drawing/2014/main" id="{A1837020-0ACB-41E2-926E-FFDE6623A582}"/>
+                <a16:creationId xmlns:a16="http://schemas.microsoft.com/office/drawing/2014/main" xmlns="" id="{A1837020-0ACB-41E2-926E-FFDE6623A582}"/>
               </a:ext>
             </a:extLst>
           </p:cNvPr>
@@ -23569,7 +23559,7 @@
           <p:cNvPr id="19" name="TextBox 18">
             <a:extLst>
               <a:ext uri="{FF2B5EF4-FFF2-40B4-BE49-F238E27FC236}">
-                <a16:creationId xmlns:a16="http://schemas.microsoft.com/office/drawing/2014/main" id="{18C96C43-7066-44D5-AB5F-0DA7BEFB4F1C}"/>
+                <a16:creationId xmlns:a16="http://schemas.microsoft.com/office/drawing/2014/main" xmlns="" id="{18C96C43-7066-44D5-AB5F-0DA7BEFB4F1C}"/>
               </a:ext>
             </a:extLst>
           </p:cNvPr>
@@ -23957,7 +23947,7 @@
           <p:cNvPr id="20" name="TextBox 19">
             <a:extLst>
               <a:ext uri="{FF2B5EF4-FFF2-40B4-BE49-F238E27FC236}">
-                <a16:creationId xmlns:a16="http://schemas.microsoft.com/office/drawing/2014/main" id="{2891D16E-408B-4AE7-8CCC-BCB12EE461BE}"/>
+                <a16:creationId xmlns:a16="http://schemas.microsoft.com/office/drawing/2014/main" xmlns="" id="{2891D16E-408B-4AE7-8CCC-BCB12EE461BE}"/>
               </a:ext>
             </a:extLst>
           </p:cNvPr>
@@ -24070,7 +24060,7 @@
           <p:cNvPr id="21" name="TextBox 20">
             <a:extLst>
               <a:ext uri="{FF2B5EF4-FFF2-40B4-BE49-F238E27FC236}">
-                <a16:creationId xmlns:a16="http://schemas.microsoft.com/office/drawing/2014/main" id="{F239560F-BF8D-400E-A7D5-A2585B57FB33}"/>
+                <a16:creationId xmlns:a16="http://schemas.microsoft.com/office/drawing/2014/main" xmlns="" id="{F239560F-BF8D-400E-A7D5-A2585B57FB33}"/>
               </a:ext>
             </a:extLst>
           </p:cNvPr>
@@ -24506,7 +24496,7 @@
           <p:cNvPr id="22" name="그림 21">
             <a:extLst>
               <a:ext uri="{FF2B5EF4-FFF2-40B4-BE49-F238E27FC236}">
-                <a16:creationId xmlns:a16="http://schemas.microsoft.com/office/drawing/2014/main" id="{D09EC4D6-1B5A-4C50-8975-1E4E90F615DD}"/>
+                <a16:creationId xmlns:a16="http://schemas.microsoft.com/office/drawing/2014/main" xmlns="" id="{D09EC4D6-1B5A-4C50-8975-1E4E90F615DD}"/>
               </a:ext>
             </a:extLst>
           </p:cNvPr>
@@ -25008,7 +24998,7 @@
           <p:cNvPr id="15" name="모서리가 둥근 직사각형 1">
             <a:extLst>
               <a:ext uri="{FF2B5EF4-FFF2-40B4-BE49-F238E27FC236}">
-                <a16:creationId xmlns:a16="http://schemas.microsoft.com/office/drawing/2014/main" id="{5F1EF5D5-B4A9-4F6D-B9F9-BCC8B4FF35DD}"/>
+                <a16:creationId xmlns:a16="http://schemas.microsoft.com/office/drawing/2014/main" xmlns="" id="{5F1EF5D5-B4A9-4F6D-B9F9-BCC8B4FF35DD}"/>
               </a:ext>
             </a:extLst>
           </p:cNvPr>
@@ -25108,7 +25098,7 @@
           <p:cNvPr id="20" name="그림 19">
             <a:extLst>
               <a:ext uri="{FF2B5EF4-FFF2-40B4-BE49-F238E27FC236}">
-                <a16:creationId xmlns:a16="http://schemas.microsoft.com/office/drawing/2014/main" id="{8A49C4CC-3BFE-42AB-A15B-E412CA7D780D}"/>
+                <a16:creationId xmlns:a16="http://schemas.microsoft.com/office/drawing/2014/main" xmlns="" id="{8A49C4CC-3BFE-42AB-A15B-E412CA7D780D}"/>
               </a:ext>
             </a:extLst>
           </p:cNvPr>
@@ -25144,7 +25134,7 @@
           <p:cNvPr id="21" name="TextBox 20">
             <a:extLst>
               <a:ext uri="{FF2B5EF4-FFF2-40B4-BE49-F238E27FC236}">
-                <a16:creationId xmlns:a16="http://schemas.microsoft.com/office/drawing/2014/main" id="{A15D8474-90FF-4BB9-9219-D971AEACDC95}"/>
+                <a16:creationId xmlns:a16="http://schemas.microsoft.com/office/drawing/2014/main" xmlns="" id="{A15D8474-90FF-4BB9-9219-D971AEACDC95}"/>
               </a:ext>
             </a:extLst>
           </p:cNvPr>
@@ -25223,7 +25213,7 @@
           <p:cNvPr id="22" name="TextBox 21">
             <a:extLst>
               <a:ext uri="{FF2B5EF4-FFF2-40B4-BE49-F238E27FC236}">
-                <a16:creationId xmlns:a16="http://schemas.microsoft.com/office/drawing/2014/main" id="{150EC66E-B287-4B86-A364-AE839A05338E}"/>
+                <a16:creationId xmlns:a16="http://schemas.microsoft.com/office/drawing/2014/main" xmlns="" id="{150EC66E-B287-4B86-A364-AE839A05338E}"/>
               </a:ext>
             </a:extLst>
           </p:cNvPr>
@@ -25515,7 +25505,7 @@
           <p:cNvPr id="18" name="TextBox 17">
             <a:extLst>
               <a:ext uri="{FF2B5EF4-FFF2-40B4-BE49-F238E27FC236}">
-                <a16:creationId xmlns:a16="http://schemas.microsoft.com/office/drawing/2014/main" id="{EDAE94A6-A339-4797-A7B3-14C78E434487}"/>
+                <a16:creationId xmlns:a16="http://schemas.microsoft.com/office/drawing/2014/main" xmlns="" id="{EDAE94A6-A339-4797-A7B3-14C78E434487}"/>
               </a:ext>
             </a:extLst>
           </p:cNvPr>
@@ -25594,7 +25584,7 @@
           <p:cNvPr id="19" name="TextBox 18">
             <a:extLst>
               <a:ext uri="{FF2B5EF4-FFF2-40B4-BE49-F238E27FC236}">
-                <a16:creationId xmlns:a16="http://schemas.microsoft.com/office/drawing/2014/main" id="{C040AA01-79CD-4F92-97E6-88A5D703128F}"/>
+                <a16:creationId xmlns:a16="http://schemas.microsoft.com/office/drawing/2014/main" xmlns="" id="{C040AA01-79CD-4F92-97E6-88A5D703128F}"/>
               </a:ext>
             </a:extLst>
           </p:cNvPr>
@@ -26666,7 +26656,7 @@
           <p:cNvPr id="29" name="모서리가 둥근 직사각형 1">
             <a:extLst>
               <a:ext uri="{FF2B5EF4-FFF2-40B4-BE49-F238E27FC236}">
-                <a16:creationId xmlns:a16="http://schemas.microsoft.com/office/drawing/2014/main" id="{EE65A715-D9EF-40AD-8764-5C1C81ED11FD}"/>
+                <a16:creationId xmlns:a16="http://schemas.microsoft.com/office/drawing/2014/main" xmlns="" id="{EE65A715-D9EF-40AD-8764-5C1C81ED11FD}"/>
               </a:ext>
             </a:extLst>
           </p:cNvPr>
@@ -26752,7 +26742,7 @@
           <p:cNvPr id="13" name="사각형: 둥근 모서리 25">
             <a:extLst>
               <a:ext uri="{FF2B5EF4-FFF2-40B4-BE49-F238E27FC236}">
-                <a16:creationId xmlns:a16="http://schemas.microsoft.com/office/drawing/2014/main" id="{409557A4-6A99-49C0-8AD8-7D2E384B7A74}"/>
+                <a16:creationId xmlns:a16="http://schemas.microsoft.com/office/drawing/2014/main" xmlns="" id="{409557A4-6A99-49C0-8AD8-7D2E384B7A74}"/>
               </a:ext>
             </a:extLst>
           </p:cNvPr>
@@ -26844,7 +26834,7 @@
           <p:cNvPr id="21" name="모서리가 둥근 직사각형 1">
             <a:extLst>
               <a:ext uri="{FF2B5EF4-FFF2-40B4-BE49-F238E27FC236}">
-                <a16:creationId xmlns:a16="http://schemas.microsoft.com/office/drawing/2014/main" id="{EE65A715-D9EF-40AD-8764-5C1C81ED11FD}"/>
+                <a16:creationId xmlns:a16="http://schemas.microsoft.com/office/drawing/2014/main" xmlns="" id="{EE65A715-D9EF-40AD-8764-5C1C81ED11FD}"/>
               </a:ext>
             </a:extLst>
           </p:cNvPr>
@@ -27361,7 +27351,7 @@
           <p:cNvPr id="14" name="사각형: 둥근 모서리 1">
             <a:extLst>
               <a:ext uri="{FF2B5EF4-FFF2-40B4-BE49-F238E27FC236}">
-                <a16:creationId xmlns:a16="http://schemas.microsoft.com/office/drawing/2014/main" id="{F30ED97C-B95D-4A76-BE0B-6C603DED0EF3}"/>
+                <a16:creationId xmlns:a16="http://schemas.microsoft.com/office/drawing/2014/main" xmlns="" id="{F30ED97C-B95D-4A76-BE0B-6C603DED0EF3}"/>
               </a:ext>
             </a:extLst>
           </p:cNvPr>
@@ -27453,7 +27443,7 @@
           <p:cNvPr id="15" name="모서리가 둥근 직사각형 1">
             <a:extLst>
               <a:ext uri="{FF2B5EF4-FFF2-40B4-BE49-F238E27FC236}">
-                <a16:creationId xmlns:a16="http://schemas.microsoft.com/office/drawing/2014/main" id="{EE65A715-D9EF-40AD-8764-5C1C81ED11FD}"/>
+                <a16:creationId xmlns:a16="http://schemas.microsoft.com/office/drawing/2014/main" xmlns="" id="{EE65A715-D9EF-40AD-8764-5C1C81ED11FD}"/>
               </a:ext>
             </a:extLst>
           </p:cNvPr>
@@ -30986,7 +30976,7 @@
           <p:cNvPr id="29" name="모서리가 둥근 직사각형 1">
             <a:extLst>
               <a:ext uri="{FF2B5EF4-FFF2-40B4-BE49-F238E27FC236}">
-                <a16:creationId xmlns:a16="http://schemas.microsoft.com/office/drawing/2014/main" id="{EE65A715-D9EF-40AD-8764-5C1C81ED11FD}"/>
+                <a16:creationId xmlns:a16="http://schemas.microsoft.com/office/drawing/2014/main" xmlns="" id="{EE65A715-D9EF-40AD-8764-5C1C81ED11FD}"/>
               </a:ext>
             </a:extLst>
           </p:cNvPr>
@@ -31110,7 +31100,7 @@
           <p:cNvPr id="14" name="사각형: 둥근 모서리 1">
             <a:extLst>
               <a:ext uri="{FF2B5EF4-FFF2-40B4-BE49-F238E27FC236}">
-                <a16:creationId xmlns:a16="http://schemas.microsoft.com/office/drawing/2014/main" id="{F30ED97C-B95D-4A76-BE0B-6C603DED0EF3}"/>
+                <a16:creationId xmlns:a16="http://schemas.microsoft.com/office/drawing/2014/main" xmlns="" id="{F30ED97C-B95D-4A76-BE0B-6C603DED0EF3}"/>
               </a:ext>
             </a:extLst>
           </p:cNvPr>
@@ -31219,7 +31209,7 @@
           <p:cNvPr id="15" name="모서리가 둥근 직사각형 1">
             <a:extLst>
               <a:ext uri="{FF2B5EF4-FFF2-40B4-BE49-F238E27FC236}">
-                <a16:creationId xmlns:a16="http://schemas.microsoft.com/office/drawing/2014/main" id="{EE65A715-D9EF-40AD-8764-5C1C81ED11FD}"/>
+                <a16:creationId xmlns:a16="http://schemas.microsoft.com/office/drawing/2014/main" xmlns="" id="{EE65A715-D9EF-40AD-8764-5C1C81ED11FD}"/>
               </a:ext>
             </a:extLst>
           </p:cNvPr>
@@ -31584,7 +31574,7 @@
           <p:cNvPr id="19" name="TextBox 18">
             <a:extLst>
               <a:ext uri="{FF2B5EF4-FFF2-40B4-BE49-F238E27FC236}">
-                <a16:creationId xmlns:a16="http://schemas.microsoft.com/office/drawing/2014/main" id="{930682FB-5D42-448F-84FF-D71854B98B1C}"/>
+                <a16:creationId xmlns:a16="http://schemas.microsoft.com/office/drawing/2014/main" xmlns="" id="{930682FB-5D42-448F-84FF-D71854B98B1C}"/>
               </a:ext>
             </a:extLst>
           </p:cNvPr>
@@ -31700,7 +31690,7 @@
           <p:cNvPr id="20" name="TextBox 19">
             <a:extLst>
               <a:ext uri="{FF2B5EF4-FFF2-40B4-BE49-F238E27FC236}">
-                <a16:creationId xmlns:a16="http://schemas.microsoft.com/office/drawing/2014/main" id="{930682FB-5D42-448F-84FF-D71854B98B1C}"/>
+                <a16:creationId xmlns:a16="http://schemas.microsoft.com/office/drawing/2014/main" xmlns="" id="{930682FB-5D42-448F-84FF-D71854B98B1C}"/>
               </a:ext>
             </a:extLst>
           </p:cNvPr>
@@ -32300,7 +32290,7 @@
           <p:cNvPr id="29" name="모서리가 둥근 직사각형 1">
             <a:extLst>
               <a:ext uri="{FF2B5EF4-FFF2-40B4-BE49-F238E27FC236}">
-                <a16:creationId xmlns:a16="http://schemas.microsoft.com/office/drawing/2014/main" id="{EE65A715-D9EF-40AD-8764-5C1C81ED11FD}"/>
+                <a16:creationId xmlns:a16="http://schemas.microsoft.com/office/drawing/2014/main" xmlns="" id="{EE65A715-D9EF-40AD-8764-5C1C81ED11FD}"/>
               </a:ext>
             </a:extLst>
           </p:cNvPr>
@@ -32386,7 +32376,7 @@
           <p:cNvPr id="2" name="사각형: 둥근 모서리 1">
             <a:extLst>
               <a:ext uri="{FF2B5EF4-FFF2-40B4-BE49-F238E27FC236}">
-                <a16:creationId xmlns:a16="http://schemas.microsoft.com/office/drawing/2014/main" id="{F30ED97C-B95D-4A76-BE0B-6C603DED0EF3}"/>
+                <a16:creationId xmlns:a16="http://schemas.microsoft.com/office/drawing/2014/main" xmlns="" id="{F30ED97C-B95D-4A76-BE0B-6C603DED0EF3}"/>
               </a:ext>
             </a:extLst>
           </p:cNvPr>
@@ -32495,7 +32485,7 @@
           <p:cNvPr id="13" name="모서리가 둥근 직사각형 1">
             <a:extLst>
               <a:ext uri="{FF2B5EF4-FFF2-40B4-BE49-F238E27FC236}">
-                <a16:creationId xmlns:a16="http://schemas.microsoft.com/office/drawing/2014/main" id="{EE65A715-D9EF-40AD-8764-5C1C81ED11FD}"/>
+                <a16:creationId xmlns:a16="http://schemas.microsoft.com/office/drawing/2014/main" xmlns="" id="{EE65A715-D9EF-40AD-8764-5C1C81ED11FD}"/>
               </a:ext>
             </a:extLst>
           </p:cNvPr>
@@ -32911,7 +32901,7 @@
           <p:cNvPr id="11" name="그림 10">
             <a:extLst>
               <a:ext uri="{FF2B5EF4-FFF2-40B4-BE49-F238E27FC236}">
-                <a16:creationId xmlns:a16="http://schemas.microsoft.com/office/drawing/2014/main" id="{411C18D1-E4F2-44F3-8F63-46E985049696}"/>
+                <a16:creationId xmlns:a16="http://schemas.microsoft.com/office/drawing/2014/main" xmlns="" id="{411C18D1-E4F2-44F3-8F63-46E985049696}"/>
               </a:ext>
             </a:extLst>
           </p:cNvPr>
@@ -32947,7 +32937,7 @@
           <p:cNvPr id="12" name="TextBox 11">
             <a:extLst>
               <a:ext uri="{FF2B5EF4-FFF2-40B4-BE49-F238E27FC236}">
-                <a16:creationId xmlns:a16="http://schemas.microsoft.com/office/drawing/2014/main" id="{930682FB-5D42-448F-84FF-D71854B98B1C}"/>
+                <a16:creationId xmlns:a16="http://schemas.microsoft.com/office/drawing/2014/main" xmlns="" id="{930682FB-5D42-448F-84FF-D71854B98B1C}"/>
               </a:ext>
             </a:extLst>
           </p:cNvPr>
@@ -33070,7 +33060,7 @@
           <p:cNvPr id="14" name="TextBox 13">
             <a:extLst>
               <a:ext uri="{FF2B5EF4-FFF2-40B4-BE49-F238E27FC236}">
-                <a16:creationId xmlns:a16="http://schemas.microsoft.com/office/drawing/2014/main" id="{930682FB-5D42-448F-84FF-D71854B98B1C}"/>
+                <a16:creationId xmlns:a16="http://schemas.microsoft.com/office/drawing/2014/main" xmlns="" id="{930682FB-5D42-448F-84FF-D71854B98B1C}"/>
               </a:ext>
             </a:extLst>
           </p:cNvPr>
@@ -33590,7 +33580,7 @@
           <p:cNvPr id="29" name="모서리가 둥근 직사각형 1">
             <a:extLst>
               <a:ext uri="{FF2B5EF4-FFF2-40B4-BE49-F238E27FC236}">
-                <a16:creationId xmlns:a16="http://schemas.microsoft.com/office/drawing/2014/main" id="{EE65A715-D9EF-40AD-8764-5C1C81ED11FD}"/>
+                <a16:creationId xmlns:a16="http://schemas.microsoft.com/office/drawing/2014/main" xmlns="" id="{EE65A715-D9EF-40AD-8764-5C1C81ED11FD}"/>
               </a:ext>
             </a:extLst>
           </p:cNvPr>
@@ -33676,7 +33666,7 @@
           <p:cNvPr id="2" name="사각형: 둥근 모서리 1">
             <a:extLst>
               <a:ext uri="{FF2B5EF4-FFF2-40B4-BE49-F238E27FC236}">
-                <a16:creationId xmlns:a16="http://schemas.microsoft.com/office/drawing/2014/main" id="{F30ED97C-B95D-4A76-BE0B-6C603DED0EF3}"/>
+                <a16:creationId xmlns:a16="http://schemas.microsoft.com/office/drawing/2014/main" xmlns="" id="{F30ED97C-B95D-4A76-BE0B-6C603DED0EF3}"/>
               </a:ext>
             </a:extLst>
           </p:cNvPr>
@@ -33754,7 +33744,7 @@
           <p:cNvPr id="19" name="사각형: 둥근 모서리 18">
             <a:extLst>
               <a:ext uri="{FF2B5EF4-FFF2-40B4-BE49-F238E27FC236}">
-                <a16:creationId xmlns:a16="http://schemas.microsoft.com/office/drawing/2014/main" id="{1775A834-AB0B-4DB0-9102-8A8D61A1537F}"/>
+                <a16:creationId xmlns:a16="http://schemas.microsoft.com/office/drawing/2014/main" xmlns="" id="{1775A834-AB0B-4DB0-9102-8A8D61A1537F}"/>
               </a:ext>
             </a:extLst>
           </p:cNvPr>
@@ -33832,7 +33822,7 @@
           <p:cNvPr id="24" name="사각형: 둥근 모서리 23">
             <a:extLst>
               <a:ext uri="{FF2B5EF4-FFF2-40B4-BE49-F238E27FC236}">
-                <a16:creationId xmlns:a16="http://schemas.microsoft.com/office/drawing/2014/main" id="{231D675E-F624-4A30-8883-0FA60A5C4295}"/>
+                <a16:creationId xmlns:a16="http://schemas.microsoft.com/office/drawing/2014/main" xmlns="" id="{231D675E-F624-4A30-8883-0FA60A5C4295}"/>
               </a:ext>
             </a:extLst>
           </p:cNvPr>
@@ -33910,7 +33900,7 @@
           <p:cNvPr id="18" name="모서리가 둥근 직사각형 1">
             <a:extLst>
               <a:ext uri="{FF2B5EF4-FFF2-40B4-BE49-F238E27FC236}">
-                <a16:creationId xmlns:a16="http://schemas.microsoft.com/office/drawing/2014/main" id="{EE65A715-D9EF-40AD-8764-5C1C81ED11FD}"/>
+                <a16:creationId xmlns:a16="http://schemas.microsoft.com/office/drawing/2014/main" xmlns="" id="{EE65A715-D9EF-40AD-8764-5C1C81ED11FD}"/>
               </a:ext>
             </a:extLst>
           </p:cNvPr>
@@ -34052,7 +34042,7 @@
           <p:cNvPr id="20" name="모서리가 둥근 직사각형 1">
             <a:extLst>
               <a:ext uri="{FF2B5EF4-FFF2-40B4-BE49-F238E27FC236}">
-                <a16:creationId xmlns:a16="http://schemas.microsoft.com/office/drawing/2014/main" id="{EE65A715-D9EF-40AD-8764-5C1C81ED11FD}"/>
+                <a16:creationId xmlns:a16="http://schemas.microsoft.com/office/drawing/2014/main" xmlns="" id="{EE65A715-D9EF-40AD-8764-5C1C81ED11FD}"/>
               </a:ext>
             </a:extLst>
           </p:cNvPr>
@@ -34350,7 +34340,7 @@
           <p:cNvPr id="22" name="모서리가 둥근 직사각형 1">
             <a:extLst>
               <a:ext uri="{FF2B5EF4-FFF2-40B4-BE49-F238E27FC236}">
-                <a16:creationId xmlns:a16="http://schemas.microsoft.com/office/drawing/2014/main" id="{EE65A715-D9EF-40AD-8764-5C1C81ED11FD}"/>
+                <a16:creationId xmlns:a16="http://schemas.microsoft.com/office/drawing/2014/main" xmlns="" id="{EE65A715-D9EF-40AD-8764-5C1C81ED11FD}"/>
               </a:ext>
             </a:extLst>
           </p:cNvPr>
@@ -34925,28 +34915,28 @@
                 <a:gridCol w="1971330">
                   <a:extLst>
                     <a:ext uri="{9D8B030D-6E8A-4147-A177-3AD203B41FA5}">
-                      <a16:colId xmlns:a16="http://schemas.microsoft.com/office/drawing/2014/main" val="20000"/>
+                      <a16:colId xmlns:a16="http://schemas.microsoft.com/office/drawing/2014/main" xmlns="" val="20000"/>
                     </a:ext>
                   </a:extLst>
                 </a:gridCol>
                 <a:gridCol w="3033346">
                   <a:extLst>
                     <a:ext uri="{9D8B030D-6E8A-4147-A177-3AD203B41FA5}">
-                      <a16:colId xmlns:a16="http://schemas.microsoft.com/office/drawing/2014/main" val="20001"/>
+                      <a16:colId xmlns:a16="http://schemas.microsoft.com/office/drawing/2014/main" xmlns="" val="20001"/>
                     </a:ext>
                   </a:extLst>
                 </a:gridCol>
                 <a:gridCol w="3006970">
                   <a:extLst>
                     <a:ext uri="{9D8B030D-6E8A-4147-A177-3AD203B41FA5}">
-                      <a16:colId xmlns:a16="http://schemas.microsoft.com/office/drawing/2014/main" val="20002"/>
+                      <a16:colId xmlns:a16="http://schemas.microsoft.com/office/drawing/2014/main" xmlns="" val="20002"/>
                     </a:ext>
                   </a:extLst>
                 </a:gridCol>
                 <a:gridCol w="3050931">
                   <a:extLst>
                     <a:ext uri="{9D8B030D-6E8A-4147-A177-3AD203B41FA5}">
-                      <a16:colId xmlns:a16="http://schemas.microsoft.com/office/drawing/2014/main" val="20003"/>
+                      <a16:colId xmlns:a16="http://schemas.microsoft.com/office/drawing/2014/main" xmlns="" val="20003"/>
                     </a:ext>
                   </a:extLst>
                 </a:gridCol>
@@ -35024,7 +35014,7 @@
                 </a:tc>
                 <a:extLst>
                   <a:ext uri="{0D108BD9-81ED-4DB2-BD59-A6C34878D82A}">
-                    <a16:rowId xmlns:a16="http://schemas.microsoft.com/office/drawing/2014/main" val="10000"/>
+                    <a16:rowId xmlns:a16="http://schemas.microsoft.com/office/drawing/2014/main" xmlns="" val="10000"/>
                   </a:ext>
                 </a:extLst>
               </a:tr>
@@ -35192,7 +35182,7 @@
                 </a:tc>
                 <a:extLst>
                   <a:ext uri="{0D108BD9-81ED-4DB2-BD59-A6C34878D82A}">
-                    <a16:rowId xmlns:a16="http://schemas.microsoft.com/office/drawing/2014/main" val="10001"/>
+                    <a16:rowId xmlns:a16="http://schemas.microsoft.com/office/drawing/2014/main" xmlns="" val="10001"/>
                   </a:ext>
                 </a:extLst>
               </a:tr>
@@ -35379,7 +35369,7 @@
                 </a:tc>
                 <a:extLst>
                   <a:ext uri="{0D108BD9-81ED-4DB2-BD59-A6C34878D82A}">
-                    <a16:rowId xmlns:a16="http://schemas.microsoft.com/office/drawing/2014/main" val="10002"/>
+                    <a16:rowId xmlns:a16="http://schemas.microsoft.com/office/drawing/2014/main" xmlns="" val="10002"/>
                   </a:ext>
                 </a:extLst>
               </a:tr>
@@ -35604,7 +35594,7 @@
                 </a:tc>
                 <a:extLst>
                   <a:ext uri="{0D108BD9-81ED-4DB2-BD59-A6C34878D82A}">
-                    <a16:rowId xmlns:a16="http://schemas.microsoft.com/office/drawing/2014/main" val="944505037"/>
+                    <a16:rowId xmlns:a16="http://schemas.microsoft.com/office/drawing/2014/main" xmlns="" val="944505037"/>
                   </a:ext>
                 </a:extLst>
               </a:tr>
@@ -35898,7 +35888,7 @@
                 </a:tc>
                 <a:extLst>
                   <a:ext uri="{0D108BD9-81ED-4DB2-BD59-A6C34878D82A}">
-                    <a16:rowId xmlns:a16="http://schemas.microsoft.com/office/drawing/2014/main" val="10003"/>
+                    <a16:rowId xmlns:a16="http://schemas.microsoft.com/office/drawing/2014/main" xmlns="" val="10003"/>
                   </a:ext>
                 </a:extLst>
               </a:tr>
@@ -36142,7 +36132,7 @@
                 </a:tc>
                 <a:extLst>
                   <a:ext uri="{0D108BD9-81ED-4DB2-BD59-A6C34878D82A}">
-                    <a16:rowId xmlns:a16="http://schemas.microsoft.com/office/drawing/2014/main" val="10004"/>
+                    <a16:rowId xmlns:a16="http://schemas.microsoft.com/office/drawing/2014/main" xmlns="" val="10004"/>
                   </a:ext>
                 </a:extLst>
               </a:tr>
@@ -36544,63 +36534,63 @@
                 <a:gridCol w="1920319">
                   <a:extLst>
                     <a:ext uri="{9D8B030D-6E8A-4147-A177-3AD203B41FA5}">
-                      <a16:colId xmlns:a16="http://schemas.microsoft.com/office/drawing/2014/main" val="20000"/>
+                      <a16:colId xmlns:a16="http://schemas.microsoft.com/office/drawing/2014/main" xmlns="" val="20000"/>
                     </a:ext>
                   </a:extLst>
                 </a:gridCol>
                 <a:gridCol w="1116552">
                   <a:extLst>
                     <a:ext uri="{9D8B030D-6E8A-4147-A177-3AD203B41FA5}">
-                      <a16:colId xmlns:a16="http://schemas.microsoft.com/office/drawing/2014/main" val="20001"/>
+                      <a16:colId xmlns:a16="http://schemas.microsoft.com/office/drawing/2014/main" xmlns="" val="20001"/>
                     </a:ext>
                   </a:extLst>
                 </a:gridCol>
                 <a:gridCol w="1116552">
                   <a:extLst>
                     <a:ext uri="{9D8B030D-6E8A-4147-A177-3AD203B41FA5}">
-                      <a16:colId xmlns:a16="http://schemas.microsoft.com/office/drawing/2014/main" val="20002"/>
+                      <a16:colId xmlns:a16="http://schemas.microsoft.com/office/drawing/2014/main" xmlns="" val="20002"/>
                     </a:ext>
                   </a:extLst>
                 </a:gridCol>
                 <a:gridCol w="1116552">
                   <a:extLst>
                     <a:ext uri="{9D8B030D-6E8A-4147-A177-3AD203B41FA5}">
-                      <a16:colId xmlns:a16="http://schemas.microsoft.com/office/drawing/2014/main" val="20003"/>
+                      <a16:colId xmlns:a16="http://schemas.microsoft.com/office/drawing/2014/main" xmlns="" val="20003"/>
                     </a:ext>
                   </a:extLst>
                 </a:gridCol>
                 <a:gridCol w="1116552">
                   <a:extLst>
                     <a:ext uri="{9D8B030D-6E8A-4147-A177-3AD203B41FA5}">
-                      <a16:colId xmlns:a16="http://schemas.microsoft.com/office/drawing/2014/main" val="20004"/>
+                      <a16:colId xmlns:a16="http://schemas.microsoft.com/office/drawing/2014/main" xmlns="" val="20004"/>
                     </a:ext>
                   </a:extLst>
                 </a:gridCol>
                 <a:gridCol w="1116552">
                   <a:extLst>
                     <a:ext uri="{9D8B030D-6E8A-4147-A177-3AD203B41FA5}">
-                      <a16:colId xmlns:a16="http://schemas.microsoft.com/office/drawing/2014/main" val="20005"/>
+                      <a16:colId xmlns:a16="http://schemas.microsoft.com/office/drawing/2014/main" xmlns="" val="20005"/>
                     </a:ext>
                   </a:extLst>
                 </a:gridCol>
                 <a:gridCol w="1116552">
                   <a:extLst>
                     <a:ext uri="{9D8B030D-6E8A-4147-A177-3AD203B41FA5}">
-                      <a16:colId xmlns:a16="http://schemas.microsoft.com/office/drawing/2014/main" val="20006"/>
+                      <a16:colId xmlns:a16="http://schemas.microsoft.com/office/drawing/2014/main" xmlns="" val="20006"/>
                     </a:ext>
                   </a:extLst>
                 </a:gridCol>
                 <a:gridCol w="1116552">
                   <a:extLst>
                     <a:ext uri="{9D8B030D-6E8A-4147-A177-3AD203B41FA5}">
-                      <a16:colId xmlns:a16="http://schemas.microsoft.com/office/drawing/2014/main" val="20007"/>
+                      <a16:colId xmlns:a16="http://schemas.microsoft.com/office/drawing/2014/main" xmlns="" val="20007"/>
                     </a:ext>
                   </a:extLst>
                 </a:gridCol>
                 <a:gridCol w="1116552">
                   <a:extLst>
                     <a:ext uri="{9D8B030D-6E8A-4147-A177-3AD203B41FA5}">
-                      <a16:colId xmlns:a16="http://schemas.microsoft.com/office/drawing/2014/main" val="20008"/>
+                      <a16:colId xmlns:a16="http://schemas.microsoft.com/office/drawing/2014/main" xmlns="" val="20008"/>
                     </a:ext>
                   </a:extLst>
                 </a:gridCol>
@@ -36775,7 +36765,7 @@
                 </a:tc>
                 <a:extLst>
                   <a:ext uri="{0D108BD9-81ED-4DB2-BD59-A6C34878D82A}">
-                    <a16:rowId xmlns:a16="http://schemas.microsoft.com/office/drawing/2014/main" val="10000"/>
+                    <a16:rowId xmlns:a16="http://schemas.microsoft.com/office/drawing/2014/main" xmlns="" val="10000"/>
                   </a:ext>
                 </a:extLst>
               </a:tr>
@@ -36900,7 +36890,7 @@
                 </a:tc>
                 <a:extLst>
                   <a:ext uri="{0D108BD9-81ED-4DB2-BD59-A6C34878D82A}">
-                    <a16:rowId xmlns:a16="http://schemas.microsoft.com/office/drawing/2014/main" val="10001"/>
+                    <a16:rowId xmlns:a16="http://schemas.microsoft.com/office/drawing/2014/main" xmlns="" val="10001"/>
                   </a:ext>
                 </a:extLst>
               </a:tr>
@@ -37014,7 +37004,7 @@
                 </a:tc>
                 <a:extLst>
                   <a:ext uri="{0D108BD9-81ED-4DB2-BD59-A6C34878D82A}">
-                    <a16:rowId xmlns:a16="http://schemas.microsoft.com/office/drawing/2014/main" val="10002"/>
+                    <a16:rowId xmlns:a16="http://schemas.microsoft.com/office/drawing/2014/main" xmlns="" val="10002"/>
                   </a:ext>
                 </a:extLst>
               </a:tr>
@@ -37136,7 +37126,7 @@
                 </a:tc>
                 <a:extLst>
                   <a:ext uri="{0D108BD9-81ED-4DB2-BD59-A6C34878D82A}">
-                    <a16:rowId xmlns:a16="http://schemas.microsoft.com/office/drawing/2014/main" val="10003"/>
+                    <a16:rowId xmlns:a16="http://schemas.microsoft.com/office/drawing/2014/main" xmlns="" val="10003"/>
                   </a:ext>
                 </a:extLst>
               </a:tr>
@@ -37254,7 +37244,7 @@
                 </a:tc>
                 <a:extLst>
                   <a:ext uri="{0D108BD9-81ED-4DB2-BD59-A6C34878D82A}">
-                    <a16:rowId xmlns:a16="http://schemas.microsoft.com/office/drawing/2014/main" val="10004"/>
+                    <a16:rowId xmlns:a16="http://schemas.microsoft.com/office/drawing/2014/main" xmlns="" val="10004"/>
                   </a:ext>
                 </a:extLst>
               </a:tr>
@@ -37376,7 +37366,7 @@
                 </a:tc>
                 <a:extLst>
                   <a:ext uri="{0D108BD9-81ED-4DB2-BD59-A6C34878D82A}">
-                    <a16:rowId xmlns:a16="http://schemas.microsoft.com/office/drawing/2014/main" val="10005"/>
+                    <a16:rowId xmlns:a16="http://schemas.microsoft.com/office/drawing/2014/main" xmlns="" val="10005"/>
                   </a:ext>
                 </a:extLst>
               </a:tr>
@@ -37509,7 +37499,7 @@
                 </a:tc>
                 <a:extLst>
                   <a:ext uri="{0D108BD9-81ED-4DB2-BD59-A6C34878D82A}">
-                    <a16:rowId xmlns:a16="http://schemas.microsoft.com/office/drawing/2014/main" val="10006"/>
+                    <a16:rowId xmlns:a16="http://schemas.microsoft.com/office/drawing/2014/main" xmlns="" val="10006"/>
                   </a:ext>
                 </a:extLst>
               </a:tr>
@@ -37631,7 +37621,7 @@
                 </a:tc>
                 <a:extLst>
                   <a:ext uri="{0D108BD9-81ED-4DB2-BD59-A6C34878D82A}">
-                    <a16:rowId xmlns:a16="http://schemas.microsoft.com/office/drawing/2014/main" val="10007"/>
+                    <a16:rowId xmlns:a16="http://schemas.microsoft.com/office/drawing/2014/main" xmlns="" val="10007"/>
                   </a:ext>
                 </a:extLst>
               </a:tr>
@@ -37753,7 +37743,7 @@
                 </a:tc>
                 <a:extLst>
                   <a:ext uri="{0D108BD9-81ED-4DB2-BD59-A6C34878D82A}">
-                    <a16:rowId xmlns:a16="http://schemas.microsoft.com/office/drawing/2014/main" val="10008"/>
+                    <a16:rowId xmlns:a16="http://schemas.microsoft.com/office/drawing/2014/main" xmlns="" val="10008"/>
                   </a:ext>
                 </a:extLst>
               </a:tr>
@@ -38647,7 +38637,7 @@
           <p:cNvPr id="10" name="TextBox 9">
             <a:extLst>
               <a:ext uri="{FF2B5EF4-FFF2-40B4-BE49-F238E27FC236}">
-                <a16:creationId xmlns:a16="http://schemas.microsoft.com/office/drawing/2014/main" id="{43AB870D-3063-4639-AF21-26D0086456BC}"/>
+                <a16:creationId xmlns:a16="http://schemas.microsoft.com/office/drawing/2014/main" xmlns="" id="{43AB870D-3063-4639-AF21-26D0086456BC}"/>
               </a:ext>
             </a:extLst>
           </p:cNvPr>
@@ -38718,7 +38708,7 @@
           <p:cNvPr id="11" name="TextBox 10">
             <a:extLst>
               <a:ext uri="{FF2B5EF4-FFF2-40B4-BE49-F238E27FC236}">
-                <a16:creationId xmlns:a16="http://schemas.microsoft.com/office/drawing/2014/main" id="{F91C4211-B239-4EF7-9F68-36F0391B3021}"/>
+                <a16:creationId xmlns:a16="http://schemas.microsoft.com/office/drawing/2014/main" xmlns="" id="{F91C4211-B239-4EF7-9F68-36F0391B3021}"/>
               </a:ext>
             </a:extLst>
           </p:cNvPr>
@@ -38813,7 +38803,7 @@
           <p:cNvPr id="12" name="TextBox 11">
             <a:extLst>
               <a:ext uri="{FF2B5EF4-FFF2-40B4-BE49-F238E27FC236}">
-                <a16:creationId xmlns:a16="http://schemas.microsoft.com/office/drawing/2014/main" id="{2028CF14-9E16-4E20-B46C-A54C8D1BD81A}"/>
+                <a16:creationId xmlns:a16="http://schemas.microsoft.com/office/drawing/2014/main" xmlns="" id="{2028CF14-9E16-4E20-B46C-A54C8D1BD81A}"/>
               </a:ext>
             </a:extLst>
           </p:cNvPr>
@@ -38892,7 +38882,7 @@
           <p:cNvPr id="15" name="TextBox 14">
             <a:extLst>
               <a:ext uri="{FF2B5EF4-FFF2-40B4-BE49-F238E27FC236}">
-                <a16:creationId xmlns:a16="http://schemas.microsoft.com/office/drawing/2014/main" id="{7AD4347D-2105-4A86-BE4B-461F7D12697C}"/>
+                <a16:creationId xmlns:a16="http://schemas.microsoft.com/office/drawing/2014/main" xmlns="" id="{7AD4347D-2105-4A86-BE4B-461F7D12697C}"/>
               </a:ext>
             </a:extLst>
           </p:cNvPr>
@@ -39604,7 +39594,7 @@
         <p:spPr>
           <a:xfrm>
             <a:off x="444845" y="1014357"/>
-            <a:ext cx="6356227" cy="2308324"/>
+            <a:ext cx="6073586" cy="2308324"/>
           </a:xfrm>
           <a:prstGeom prst="rect">
             <a:avLst/>
@@ -39666,16 +39656,13 @@
                   <a:schemeClr val="bg1"/>
                 </a:solidFill>
               </a:rPr>
-              <a:t>https://</a:t>
-            </a:r>
-            <a:r>
-              <a:rPr lang="en-US" altLang="ko-KR" dirty="0" smtClean="0">
-                <a:solidFill>
-                  <a:schemeClr val="bg1"/>
-                </a:solidFill>
-              </a:rPr>
-              <a:t>github.com/shin-je-woo/RemoteFishbowl</a:t>
-            </a:r>
+              <a:t>https://github.com/Fishberry/RemoteFishbowl</a:t>
+            </a:r>
+            <a:endParaRPr lang="en-US" altLang="ko-KR" dirty="0" smtClean="0">
+              <a:solidFill>
+                <a:schemeClr val="bg1"/>
+              </a:solidFill>
+            </a:endParaRPr>
           </a:p>
           <a:p>
             <a:pPr marL="285750" indent="-285750">
@@ -47402,49 +47389,49 @@
                 <a:gridCol w="1486624">
                   <a:extLst>
                     <a:ext uri="{9D8B030D-6E8A-4147-A177-3AD203B41FA5}">
-                      <a16:colId xmlns:a16="http://schemas.microsoft.com/office/drawing/2014/main" val="20000"/>
+                      <a16:colId xmlns:a16="http://schemas.microsoft.com/office/drawing/2014/main" xmlns="" val="20000"/>
                     </a:ext>
                   </a:extLst>
                 </a:gridCol>
                 <a:gridCol w="1486624">
                   <a:extLst>
                     <a:ext uri="{9D8B030D-6E8A-4147-A177-3AD203B41FA5}">
-                      <a16:colId xmlns:a16="http://schemas.microsoft.com/office/drawing/2014/main" val="20001"/>
+                      <a16:colId xmlns:a16="http://schemas.microsoft.com/office/drawing/2014/main" xmlns="" val="20001"/>
                     </a:ext>
                   </a:extLst>
                 </a:gridCol>
                 <a:gridCol w="1486624">
                   <a:extLst>
                     <a:ext uri="{9D8B030D-6E8A-4147-A177-3AD203B41FA5}">
-                      <a16:colId xmlns:a16="http://schemas.microsoft.com/office/drawing/2014/main" val="20002"/>
+                      <a16:colId xmlns:a16="http://schemas.microsoft.com/office/drawing/2014/main" xmlns="" val="20002"/>
                     </a:ext>
                   </a:extLst>
                 </a:gridCol>
                 <a:gridCol w="1486624">
                   <a:extLst>
                     <a:ext uri="{9D8B030D-6E8A-4147-A177-3AD203B41FA5}">
-                      <a16:colId xmlns:a16="http://schemas.microsoft.com/office/drawing/2014/main" val="20003"/>
+                      <a16:colId xmlns:a16="http://schemas.microsoft.com/office/drawing/2014/main" xmlns="" val="20003"/>
                     </a:ext>
                   </a:extLst>
                 </a:gridCol>
                 <a:gridCol w="1486624">
                   <a:extLst>
                     <a:ext uri="{9D8B030D-6E8A-4147-A177-3AD203B41FA5}">
-                      <a16:colId xmlns:a16="http://schemas.microsoft.com/office/drawing/2014/main" val="20004"/>
+                      <a16:colId xmlns:a16="http://schemas.microsoft.com/office/drawing/2014/main" xmlns="" val="20004"/>
                     </a:ext>
                   </a:extLst>
                 </a:gridCol>
                 <a:gridCol w="1486624">
                   <a:extLst>
                     <a:ext uri="{9D8B030D-6E8A-4147-A177-3AD203B41FA5}">
-                      <a16:colId xmlns:a16="http://schemas.microsoft.com/office/drawing/2014/main" val="20005"/>
+                      <a16:colId xmlns:a16="http://schemas.microsoft.com/office/drawing/2014/main" xmlns="" val="20005"/>
                     </a:ext>
                   </a:extLst>
                 </a:gridCol>
                 <a:gridCol w="1486624">
                   <a:extLst>
                     <a:ext uri="{9D8B030D-6E8A-4147-A177-3AD203B41FA5}">
-                      <a16:colId xmlns:a16="http://schemas.microsoft.com/office/drawing/2014/main" val="20006"/>
+                      <a16:colId xmlns:a16="http://schemas.microsoft.com/office/drawing/2014/main" xmlns="" val="20006"/>
                     </a:ext>
                   </a:extLst>
                 </a:gridCol>
@@ -47577,7 +47564,7 @@
                 </a:tc>
                 <a:extLst>
                   <a:ext uri="{0D108BD9-81ED-4DB2-BD59-A6C34878D82A}">
-                    <a16:rowId xmlns:a16="http://schemas.microsoft.com/office/drawing/2014/main" val="10000"/>
+                    <a16:rowId xmlns:a16="http://schemas.microsoft.com/office/drawing/2014/main" xmlns="" val="10000"/>
                   </a:ext>
                 </a:extLst>
               </a:tr>
@@ -47689,7 +47676,7 @@
                 </a:tc>
                 <a:extLst>
                   <a:ext uri="{0D108BD9-81ED-4DB2-BD59-A6C34878D82A}">
-                    <a16:rowId xmlns:a16="http://schemas.microsoft.com/office/drawing/2014/main" val="10001"/>
+                    <a16:rowId xmlns:a16="http://schemas.microsoft.com/office/drawing/2014/main" xmlns="" val="10001"/>
                   </a:ext>
                 </a:extLst>
               </a:tr>
@@ -47801,7 +47788,7 @@
                 </a:tc>
                 <a:extLst>
                   <a:ext uri="{0D108BD9-81ED-4DB2-BD59-A6C34878D82A}">
-                    <a16:rowId xmlns:a16="http://schemas.microsoft.com/office/drawing/2014/main" val="10002"/>
+                    <a16:rowId xmlns:a16="http://schemas.microsoft.com/office/drawing/2014/main" xmlns="" val="10002"/>
                   </a:ext>
                 </a:extLst>
               </a:tr>
@@ -47913,7 +47900,7 @@
                 </a:tc>
                 <a:extLst>
                   <a:ext uri="{0D108BD9-81ED-4DB2-BD59-A6C34878D82A}">
-                    <a16:rowId xmlns:a16="http://schemas.microsoft.com/office/drawing/2014/main" val="10003"/>
+                    <a16:rowId xmlns:a16="http://schemas.microsoft.com/office/drawing/2014/main" xmlns="" val="10003"/>
                   </a:ext>
                 </a:extLst>
               </a:tr>
@@ -48029,7 +48016,7 @@
                 </a:tc>
                 <a:extLst>
                   <a:ext uri="{0D108BD9-81ED-4DB2-BD59-A6C34878D82A}">
-                    <a16:rowId xmlns:a16="http://schemas.microsoft.com/office/drawing/2014/main" val="10004"/>
+                    <a16:rowId xmlns:a16="http://schemas.microsoft.com/office/drawing/2014/main" xmlns="" val="10004"/>
                   </a:ext>
                 </a:extLst>
               </a:tr>
@@ -48138,7 +48125,7 @@
     </a:clrScheme>
     <a:fontScheme name="Office">
       <a:majorFont>
-        <a:latin typeface="맑은 고딕" panose="020F0302020204030204"/>
+        <a:latin typeface="맑은 고딕"/>
         <a:ea typeface=""/>
         <a:cs typeface=""/>
         <a:font script="Jpan" typeface="ＭＳ Ｐゴシック"/>
@@ -48173,7 +48160,7 @@
         <a:font script="Geor" typeface="Sylfaen"/>
       </a:majorFont>
       <a:minorFont>
-        <a:latin typeface="맑은 고딕" panose="020F0502020204030204"/>
+        <a:latin typeface="맑은 고딕"/>
         <a:ea typeface=""/>
         <a:cs typeface=""/>
         <a:font script="Jpan" typeface="ＭＳ Ｐゴシック"/>
@@ -48350,7 +48337,7 @@
   <a:extraClrSchemeLst/>
   <a:extLst>
     <a:ext uri="{05A4C25C-085E-4340-85A3-A5531E510DB2}">
-      <thm15:themeFamily xmlns:thm15="http://schemas.microsoft.com/office/thememl/2012/main" name="default theme" id="{1C5D189E-FD72-4570-BD83-9039D56F569B}" vid="{C7FF242B-BEBB-4996-864F-8E4493593035}"/>
+      <thm15:themeFamily xmlns:thm15="http://schemas.microsoft.com/office/thememl/2012/main" xmlns="" name="default theme" id="{1C5D189E-FD72-4570-BD83-9039D56F569B}" vid="{C7FF242B-BEBB-4996-864F-8E4493593035}"/>
     </a:ext>
   </a:extLst>
 </a:theme>
@@ -48399,7 +48386,7 @@
     </a:clrScheme>
     <a:fontScheme name="Office">
       <a:majorFont>
-        <a:latin typeface="맑은 고딕" panose="020F0302020204030204"/>
+        <a:latin typeface="맑은 고딕"/>
         <a:ea typeface=""/>
         <a:cs typeface=""/>
         <a:font script="Jpan" typeface="ＭＳ Ｐゴシック"/>
@@ -48434,7 +48421,7 @@
         <a:font script="Geor" typeface="Sylfaen"/>
       </a:majorFont>
       <a:minorFont>
-        <a:latin typeface="맑은 고딕" panose="020F0502020204030204"/>
+        <a:latin typeface="맑은 고딕"/>
         <a:ea typeface=""/>
         <a:cs typeface=""/>
         <a:font script="Jpan" typeface="ＭＳ Ｐゴシック"/>
@@ -48611,7 +48598,7 @@
   <a:extraClrSchemeLst/>
   <a:extLst>
     <a:ext uri="{05A4C25C-085E-4340-85A3-A5531E510DB2}">
-      <thm15:themeFamily xmlns:thm15="http://schemas.microsoft.com/office/thememl/2012/main" name="default theme" id="{1C5D189E-FD72-4570-BD83-9039D56F569B}" vid="{C7FF242B-BEBB-4996-864F-8E4493593035}"/>
+      <thm15:themeFamily xmlns:thm15="http://schemas.microsoft.com/office/thememl/2012/main" xmlns="" name="default theme" id="{1C5D189E-FD72-4570-BD83-9039D56F569B}" vid="{C7FF242B-BEBB-4996-864F-8E4493593035}"/>
     </a:ext>
   </a:extLst>
 </a:theme>
@@ -48660,7 +48647,7 @@
     </a:clrScheme>
     <a:fontScheme name="Office">
       <a:majorFont>
-        <a:latin typeface="맑은 고딕" panose="020F0302020204030204"/>
+        <a:latin typeface="맑은 고딕"/>
         <a:ea typeface=""/>
         <a:cs typeface=""/>
         <a:font script="Jpan" typeface="游ゴシック Light"/>
@@ -48695,7 +48682,7 @@
         <a:font script="Geor" typeface="Sylfaen"/>
       </a:majorFont>
       <a:minorFont>
-        <a:latin typeface="맑은 고딕" panose="020F0502020204030204"/>
+        <a:latin typeface="맑은 고딕"/>
         <a:ea typeface=""/>
         <a:cs typeface=""/>
         <a:font script="Jpan" typeface="游ゴシック"/>
@@ -48872,7 +48859,7 @@
   <a:extraClrSchemeLst/>
   <a:extLst>
     <a:ext uri="{05A4C25C-085E-4340-85A3-A5531E510DB2}">
-      <thm15:themeFamily xmlns:thm15="http://schemas.microsoft.com/office/thememl/2012/main" name="Office Theme" id="{62F939B6-93AF-4DB8-9C6B-D6C7DFDC589F}" vid="{4A3C46E8-61CC-4603-A589-7422A47A8E4A}"/>
+      <thm15:themeFamily xmlns:thm15="http://schemas.microsoft.com/office/thememl/2012/main" xmlns="" name="Office Theme" id="{62F939B6-93AF-4DB8-9C6B-D6C7DFDC589F}" vid="{4A3C46E8-61CC-4603-A589-7422A47A8E4A}"/>
     </a:ext>
   </a:extLst>
 </a:theme>
